--- a/Slides/Lecture 4-2.pptx
+++ b/Slides/Lecture 4-2.pptx
@@ -226,7 +226,7 @@
             <a:fld id="{A6781D3C-003D-4837-A496-9A32CDA8003A}" type="datetimeFigureOut">
               <a:rPr lang="en-US" smtClean="0"/>
               <a:pPr/>
-              <a:t>1/24/19</a:t>
+              <a:t>1/9/2019</a:t>
             </a:fld>
             <a:endParaRPr lang="en-US"/>
           </a:p>
@@ -290,37 +290,38 @@
           <a:p>
             <a:pPr lvl="0"/>
             <a:r>
-              <a:rPr lang="en-US"/>
+              <a:rPr lang="en-US" smtClean="0"/>
               <a:t>Click to edit Master text styles</a:t>
             </a:r>
           </a:p>
           <a:p>
             <a:pPr lvl="1"/>
             <a:r>
-              <a:rPr lang="en-US"/>
+              <a:rPr lang="en-US" smtClean="0"/>
               <a:t>Second level</a:t>
             </a:r>
           </a:p>
           <a:p>
             <a:pPr lvl="2"/>
             <a:r>
-              <a:rPr lang="en-US"/>
+              <a:rPr lang="en-US" smtClean="0"/>
               <a:t>Third level</a:t>
             </a:r>
           </a:p>
           <a:p>
             <a:pPr lvl="3"/>
             <a:r>
-              <a:rPr lang="en-US"/>
+              <a:rPr lang="en-US" smtClean="0"/>
               <a:t>Fourth level</a:t>
             </a:r>
           </a:p>
           <a:p>
             <a:pPr lvl="4"/>
             <a:r>
-              <a:rPr lang="en-US"/>
+              <a:rPr lang="en-US" smtClean="0"/>
               <a:t>Fifth level</a:t>
             </a:r>
+            <a:endParaRPr lang="en-US"/>
           </a:p>
         </p:txBody>
       </p:sp>
@@ -539,7 +540,7 @@
           <a:lstStyle/>
           <a:p>
             <a:r>
-              <a:rPr lang="en-US" dirty="0"/>
+              <a:rPr lang="en-US" dirty="0" smtClean="0"/>
               <a:t>PROVENANCE?</a:t>
             </a:r>
           </a:p>
@@ -575,100 +576,6 @@
     <p:extLst>
       <p:ext uri="{BB962C8B-B14F-4D97-AF65-F5344CB8AC3E}">
         <p14:creationId xmlns:p14="http://schemas.microsoft.com/office/powerpoint/2010/main" val="924183047"/>
-      </p:ext>
-    </p:extLst>
-  </p:cSld>
-  <p:clrMapOvr>
-    <a:masterClrMapping/>
-  </p:clrMapOvr>
-</p:notes>
-</file>
-
-<file path=ppt/notesSlides/notesSlide2.xml><?xml version="1.0" encoding="utf-8"?>
-<p:notes xmlns:a="http://schemas.openxmlformats.org/drawingml/2006/main" xmlns:r="http://schemas.openxmlformats.org/officeDocument/2006/relationships" xmlns:p="http://schemas.openxmlformats.org/presentationml/2006/main">
-  <p:cSld>
-    <p:spTree>
-      <p:nvGrpSpPr>
-        <p:cNvPr id="1" name=""/>
-        <p:cNvGrpSpPr/>
-        <p:nvPr/>
-      </p:nvGrpSpPr>
-      <p:grpSpPr>
-        <a:xfrm>
-          <a:off x="0" y="0"/>
-          <a:ext cx="0" cy="0"/>
-          <a:chOff x="0" y="0"/>
-          <a:chExt cx="0" cy="0"/>
-        </a:xfrm>
-      </p:grpSpPr>
-      <p:sp>
-        <p:nvSpPr>
-          <p:cNvPr id="2" name="Slide Image Placeholder 1"/>
-          <p:cNvSpPr>
-            <a:spLocks noGrp="1" noRot="1" noChangeAspect="1"/>
-          </p:cNvSpPr>
-          <p:nvPr>
-            <p:ph type="sldImg"/>
-          </p:nvPr>
-        </p:nvSpPr>
-        <p:spPr/>
-      </p:sp>
-      <p:sp>
-        <p:nvSpPr>
-          <p:cNvPr id="3" name="Notes Placeholder 2"/>
-          <p:cNvSpPr>
-            <a:spLocks noGrp="1"/>
-          </p:cNvSpPr>
-          <p:nvPr>
-            <p:ph type="body" idx="1"/>
-          </p:nvPr>
-        </p:nvSpPr>
-        <p:spPr/>
-        <p:txBody>
-          <a:bodyPr/>
-          <a:lstStyle/>
-          <a:p>
-            <a:r>
-              <a:rPr lang="en-US" dirty="0"/>
-              <a:t>Run up a bill = Incur a bill (up is connected with run, and thus is a particle)</a:t>
-            </a:r>
-          </a:p>
-          <a:p>
-            <a:r>
-              <a:rPr lang="en-US" dirty="0"/>
-              <a:t>Run up a hill (up is not connected with run)</a:t>
-            </a:r>
-          </a:p>
-        </p:txBody>
-      </p:sp>
-      <p:sp>
-        <p:nvSpPr>
-          <p:cNvPr id="4" name="Slide Number Placeholder 3"/>
-          <p:cNvSpPr>
-            <a:spLocks noGrp="1"/>
-          </p:cNvSpPr>
-          <p:nvPr>
-            <p:ph type="sldNum" sz="quarter" idx="5"/>
-          </p:nvPr>
-        </p:nvSpPr>
-        <p:spPr/>
-        <p:txBody>
-          <a:bodyPr/>
-          <a:lstStyle/>
-          <a:p>
-            <a:fld id="{6529D11D-5857-48CF-ABB8-89B8AC9FD03C}" type="slidenum">
-              <a:rPr lang="en-US" smtClean="0"/>
-              <a:pPr/>
-              <a:t>14</a:t>
-            </a:fld>
-            <a:endParaRPr lang="en-US"/>
-          </a:p>
-        </p:txBody>
-      </p:sp>
-    </p:spTree>
-    <p:extLst>
-      <p:ext uri="{BB962C8B-B14F-4D97-AF65-F5344CB8AC3E}">
-        <p14:creationId xmlns:p14="http://schemas.microsoft.com/office/powerpoint/2010/main" val="970755957"/>
       </p:ext>
     </p:extLst>
   </p:cSld>
@@ -743,9 +650,10 @@
           </a:lstStyle>
           <a:p>
             <a:r>
-              <a:rPr lang="en-US" dirty="0"/>
+              <a:rPr lang="en-US" dirty="0" smtClean="0"/>
               <a:t>Click to edit Master title style</a:t>
             </a:r>
+            <a:endParaRPr lang="en-US" dirty="0"/>
           </a:p>
         </p:txBody>
       </p:sp>
@@ -870,9 +778,10 @@
           </a:lstStyle>
           <a:p>
             <a:r>
-              <a:rPr lang="en-US" dirty="0"/>
+              <a:rPr lang="en-US" dirty="0" smtClean="0"/>
               <a:t>Click to edit Master subtitle style</a:t>
             </a:r>
+            <a:endParaRPr lang="en-US" dirty="0"/>
           </a:p>
         </p:txBody>
       </p:sp>
@@ -927,9 +836,10 @@
           <a:lstStyle/>
           <a:p>
             <a:r>
-              <a:rPr lang="en-US"/>
+              <a:rPr lang="en-US" smtClean="0"/>
               <a:t>Click to edit Master title style</a:t>
             </a:r>
+            <a:endParaRPr lang="en-US"/>
           </a:p>
         </p:txBody>
       </p:sp>
@@ -991,9 +901,10 @@
           </a:lstStyle>
           <a:p>
             <a:r>
-              <a:rPr lang="en-US"/>
+              <a:rPr lang="en-US" smtClean="0"/>
               <a:t>Click to edit Master subtitle style</a:t>
             </a:r>
+            <a:endParaRPr lang="en-US"/>
           </a:p>
         </p:txBody>
       </p:sp>
@@ -1099,6 +1010,13 @@
   <p:clrMapOvr>
     <a:masterClrMapping/>
   </p:clrMapOvr>
+  <p:timing>
+    <p:tnLst>
+      <p:par>
+        <p:cTn id="1" dur="indefinite" restart="never" nodeType="tmRoot"/>
+      </p:par>
+    </p:tnLst>
+  </p:timing>
 </p:sldLayout>
 </file>
 
@@ -1142,9 +1060,10 @@
           </a:lstStyle>
           <a:p>
             <a:r>
-              <a:rPr lang="en-US" dirty="0"/>
+              <a:rPr lang="en-US" dirty="0" smtClean="0"/>
               <a:t>Click to edit Master title style</a:t>
             </a:r>
+            <a:endParaRPr lang="en-US" dirty="0"/>
           </a:p>
         </p:txBody>
       </p:sp>
@@ -1196,37 +1115,38 @@
           <a:p>
             <a:pPr lvl="0"/>
             <a:r>
-              <a:rPr lang="en-US" dirty="0"/>
+              <a:rPr lang="en-US" dirty="0" smtClean="0"/>
               <a:t>Click to edit Master text styles</a:t>
             </a:r>
           </a:p>
           <a:p>
             <a:pPr lvl="1"/>
             <a:r>
-              <a:rPr lang="en-US" dirty="0"/>
+              <a:rPr lang="en-US" dirty="0" smtClean="0"/>
               <a:t>Second level</a:t>
             </a:r>
           </a:p>
           <a:p>
             <a:pPr lvl="2"/>
             <a:r>
-              <a:rPr lang="en-US" dirty="0"/>
+              <a:rPr lang="en-US" dirty="0" smtClean="0"/>
               <a:t>Third level</a:t>
             </a:r>
           </a:p>
           <a:p>
             <a:pPr lvl="3"/>
             <a:r>
-              <a:rPr lang="en-US" dirty="0"/>
+              <a:rPr lang="en-US" dirty="0" smtClean="0"/>
               <a:t>Fourth level</a:t>
             </a:r>
           </a:p>
           <a:p>
             <a:pPr lvl="4"/>
             <a:r>
-              <a:rPr lang="en-US" dirty="0"/>
+              <a:rPr lang="en-US" dirty="0" smtClean="0"/>
               <a:t>Fifth level</a:t>
             </a:r>
+            <a:endParaRPr lang="en-US" dirty="0"/>
           </a:p>
         </p:txBody>
       </p:sp>
@@ -1499,6 +1419,13 @@
   <p:clrMapOvr>
     <a:masterClrMapping/>
   </p:clrMapOvr>
+  <p:timing>
+    <p:tnLst>
+      <p:par>
+        <p:cTn id="1" dur="indefinite" restart="never" nodeType="tmRoot"/>
+      </p:par>
+    </p:tnLst>
+  </p:timing>
 </p:sldLayout>
 </file>
 
@@ -1560,9 +1487,10 @@
           </a:lstStyle>
           <a:p>
             <a:r>
-              <a:rPr lang="en-US" dirty="0"/>
+              <a:rPr lang="en-US" dirty="0" smtClean="0"/>
               <a:t>Click to edit Master title style</a:t>
             </a:r>
+            <a:endParaRPr lang="en-US" dirty="0"/>
           </a:p>
         </p:txBody>
       </p:sp>
@@ -1588,35 +1516,35 @@
           <a:p>
             <a:pPr lvl="0"/>
             <a:r>
-              <a:rPr lang="en-US"/>
+              <a:rPr lang="en-US" smtClean="0"/>
               <a:t>Click to edit Master text styles</a:t>
             </a:r>
           </a:p>
           <a:p>
             <a:pPr lvl="1"/>
             <a:r>
-              <a:rPr lang="en-US"/>
+              <a:rPr lang="en-US" smtClean="0"/>
               <a:t>Second level</a:t>
             </a:r>
           </a:p>
           <a:p>
             <a:pPr lvl="2"/>
             <a:r>
-              <a:rPr lang="en-US"/>
+              <a:rPr lang="en-US" smtClean="0"/>
               <a:t>Third level</a:t>
             </a:r>
           </a:p>
           <a:p>
             <a:pPr lvl="3"/>
             <a:r>
-              <a:rPr lang="en-US"/>
+              <a:rPr lang="en-US" smtClean="0"/>
               <a:t>Fourth level</a:t>
             </a:r>
           </a:p>
           <a:p>
             <a:pPr lvl="4"/>
             <a:r>
-              <a:rPr lang="en-US"/>
+              <a:rPr lang="en-US" smtClean="0"/>
               <a:t>Fifth level</a:t>
             </a:r>
             <a:endParaRPr lang="en-US" dirty="0"/>
@@ -1685,7 +1613,7 @@
           </a:lstStyle>
           <a:p>
             <a:r>
-              <a:rPr lang="en-US"/>
+              <a:rPr lang="en-US" smtClean="0"/>
               <a:t>Click to edit Master title style</a:t>
             </a:r>
             <a:endParaRPr lang="en-US" dirty="0"/>
@@ -1805,7 +1733,7 @@
           <a:p>
             <a:pPr lvl="0"/>
             <a:r>
-              <a:rPr lang="en-US"/>
+              <a:rPr lang="en-US" smtClean="0"/>
               <a:t>Click to edit Master text styles</a:t>
             </a:r>
           </a:p>
@@ -1875,7 +1803,7 @@
           </a:lstStyle>
           <a:p>
             <a:r>
-              <a:rPr lang="en-US"/>
+              <a:rPr lang="en-US" smtClean="0"/>
               <a:t>Click to edit Master title style</a:t>
             </a:r>
             <a:endParaRPr lang="en-US" dirty="0"/>
@@ -1950,35 +1878,35 @@
           <a:p>
             <a:pPr lvl="0"/>
             <a:r>
-              <a:rPr lang="en-US"/>
+              <a:rPr lang="en-US" smtClean="0"/>
               <a:t>Click to edit Master text styles</a:t>
             </a:r>
           </a:p>
           <a:p>
             <a:pPr lvl="1"/>
             <a:r>
-              <a:rPr lang="en-US"/>
+              <a:rPr lang="en-US" smtClean="0"/>
               <a:t>Second level</a:t>
             </a:r>
           </a:p>
           <a:p>
             <a:pPr lvl="2"/>
             <a:r>
-              <a:rPr lang="en-US"/>
+              <a:rPr lang="en-US" smtClean="0"/>
               <a:t>Third level</a:t>
             </a:r>
           </a:p>
           <a:p>
             <a:pPr lvl="3"/>
             <a:r>
-              <a:rPr lang="en-US"/>
+              <a:rPr lang="en-US" smtClean="0"/>
               <a:t>Fourth level</a:t>
             </a:r>
           </a:p>
           <a:p>
             <a:pPr lvl="4"/>
             <a:r>
-              <a:rPr lang="en-US"/>
+              <a:rPr lang="en-US" smtClean="0"/>
               <a:t>Fifth level</a:t>
             </a:r>
             <a:endParaRPr lang="en-US" dirty="0"/>
@@ -2053,35 +1981,35 @@
           <a:p>
             <a:pPr lvl="0"/>
             <a:r>
-              <a:rPr lang="en-US"/>
+              <a:rPr lang="en-US" smtClean="0"/>
               <a:t>Click to edit Master text styles</a:t>
             </a:r>
           </a:p>
           <a:p>
             <a:pPr lvl="1"/>
             <a:r>
-              <a:rPr lang="en-US"/>
+              <a:rPr lang="en-US" smtClean="0"/>
               <a:t>Second level</a:t>
             </a:r>
           </a:p>
           <a:p>
             <a:pPr lvl="2"/>
             <a:r>
-              <a:rPr lang="en-US"/>
+              <a:rPr lang="en-US" smtClean="0"/>
               <a:t>Third level</a:t>
             </a:r>
           </a:p>
           <a:p>
             <a:pPr lvl="3"/>
             <a:r>
-              <a:rPr lang="en-US"/>
+              <a:rPr lang="en-US" smtClean="0"/>
               <a:t>Fourth level</a:t>
             </a:r>
           </a:p>
           <a:p>
             <a:pPr lvl="4"/>
             <a:r>
-              <a:rPr lang="en-US"/>
+              <a:rPr lang="en-US" smtClean="0"/>
               <a:t>Fifth level</a:t>
             </a:r>
             <a:endParaRPr lang="en-US" dirty="0"/>
@@ -2152,7 +2080,7 @@
           </a:lstStyle>
           <a:p>
             <a:r>
-              <a:rPr lang="en-US"/>
+              <a:rPr lang="en-US" smtClean="0"/>
               <a:t>Click to edit Master title style</a:t>
             </a:r>
             <a:endParaRPr lang="en-US" dirty="0"/>
@@ -2227,7 +2155,7 @@
           <a:p>
             <a:pPr lvl="0"/>
             <a:r>
-              <a:rPr lang="en-US"/>
+              <a:rPr lang="en-US" smtClean="0"/>
               <a:t>Click to edit Master text styles</a:t>
             </a:r>
           </a:p>
@@ -2298,35 +2226,35 @@
           <a:p>
             <a:pPr lvl="0"/>
             <a:r>
-              <a:rPr lang="en-US"/>
+              <a:rPr lang="en-US" smtClean="0"/>
               <a:t>Click to edit Master text styles</a:t>
             </a:r>
           </a:p>
           <a:p>
             <a:pPr lvl="1"/>
             <a:r>
-              <a:rPr lang="en-US"/>
+              <a:rPr lang="en-US" smtClean="0"/>
               <a:t>Second level</a:t>
             </a:r>
           </a:p>
           <a:p>
             <a:pPr lvl="2"/>
             <a:r>
-              <a:rPr lang="en-US"/>
+              <a:rPr lang="en-US" smtClean="0"/>
               <a:t>Third level</a:t>
             </a:r>
           </a:p>
           <a:p>
             <a:pPr lvl="3"/>
             <a:r>
-              <a:rPr lang="en-US"/>
+              <a:rPr lang="en-US" smtClean="0"/>
               <a:t>Fourth level</a:t>
             </a:r>
           </a:p>
           <a:p>
             <a:pPr lvl="4"/>
             <a:r>
-              <a:rPr lang="en-US"/>
+              <a:rPr lang="en-US" smtClean="0"/>
               <a:t>Fifth level</a:t>
             </a:r>
             <a:endParaRPr lang="en-US" dirty="0"/>
@@ -2401,7 +2329,7 @@
           <a:p>
             <a:pPr lvl="0"/>
             <a:r>
-              <a:rPr lang="en-US"/>
+              <a:rPr lang="en-US" smtClean="0"/>
               <a:t>Click to edit Master text styles</a:t>
             </a:r>
           </a:p>
@@ -2472,35 +2400,35 @@
           <a:p>
             <a:pPr lvl="0"/>
             <a:r>
-              <a:rPr lang="en-US"/>
+              <a:rPr lang="en-US" smtClean="0"/>
               <a:t>Click to edit Master text styles</a:t>
             </a:r>
           </a:p>
           <a:p>
             <a:pPr lvl="1"/>
             <a:r>
-              <a:rPr lang="en-US"/>
+              <a:rPr lang="en-US" smtClean="0"/>
               <a:t>Second level</a:t>
             </a:r>
           </a:p>
           <a:p>
             <a:pPr lvl="2"/>
             <a:r>
-              <a:rPr lang="en-US"/>
+              <a:rPr lang="en-US" smtClean="0"/>
               <a:t>Third level</a:t>
             </a:r>
           </a:p>
           <a:p>
             <a:pPr lvl="3"/>
             <a:r>
-              <a:rPr lang="en-US"/>
+              <a:rPr lang="en-US" smtClean="0"/>
               <a:t>Fourth level</a:t>
             </a:r>
           </a:p>
           <a:p>
             <a:pPr lvl="4"/>
             <a:r>
-              <a:rPr lang="en-US"/>
+              <a:rPr lang="en-US" smtClean="0"/>
               <a:t>Fifth level</a:t>
             </a:r>
             <a:endParaRPr lang="en-US" dirty="0"/>
@@ -2571,7 +2499,7 @@
           </a:lstStyle>
           <a:p>
             <a:r>
-              <a:rPr lang="en-US"/>
+              <a:rPr lang="en-US" smtClean="0"/>
               <a:t>Click to edit Master title style</a:t>
             </a:r>
             <a:endParaRPr lang="en-US" dirty="0"/>
@@ -2672,7 +2600,7 @@
           </a:lstStyle>
           <a:p>
             <a:r>
-              <a:rPr lang="en-US"/>
+              <a:rPr lang="en-US" smtClean="0"/>
               <a:t>Click to edit Master title style</a:t>
             </a:r>
             <a:endParaRPr lang="en-US" dirty="0"/>
@@ -2747,35 +2675,35 @@
           <a:p>
             <a:pPr lvl="0"/>
             <a:r>
-              <a:rPr lang="en-US"/>
+              <a:rPr lang="en-US" smtClean="0"/>
               <a:t>Click to edit Master text styles</a:t>
             </a:r>
           </a:p>
           <a:p>
             <a:pPr lvl="1"/>
             <a:r>
-              <a:rPr lang="en-US"/>
+              <a:rPr lang="en-US" smtClean="0"/>
               <a:t>Second level</a:t>
             </a:r>
           </a:p>
           <a:p>
             <a:pPr lvl="2"/>
             <a:r>
-              <a:rPr lang="en-US"/>
+              <a:rPr lang="en-US" smtClean="0"/>
               <a:t>Third level</a:t>
             </a:r>
           </a:p>
           <a:p>
             <a:pPr lvl="3"/>
             <a:r>
-              <a:rPr lang="en-US"/>
+              <a:rPr lang="en-US" smtClean="0"/>
               <a:t>Fourth level</a:t>
             </a:r>
           </a:p>
           <a:p>
             <a:pPr lvl="4"/>
             <a:r>
-              <a:rPr lang="en-US"/>
+              <a:rPr lang="en-US" smtClean="0"/>
               <a:t>Fifth level</a:t>
             </a:r>
             <a:endParaRPr lang="en-US" dirty="0"/>
@@ -2847,7 +2775,7 @@
           <a:p>
             <a:pPr lvl="0"/>
             <a:r>
-              <a:rPr lang="en-US"/>
+              <a:rPr lang="en-US" smtClean="0"/>
               <a:t>Click to edit Master text styles</a:t>
             </a:r>
           </a:p>
@@ -2917,7 +2845,7 @@
           </a:lstStyle>
           <a:p>
             <a:r>
-              <a:rPr lang="en-US"/>
+              <a:rPr lang="en-US" smtClean="0"/>
               <a:t>Click to edit Master title style</a:t>
             </a:r>
             <a:endParaRPr lang="en-US" dirty="0"/>
@@ -2982,9 +2910,10 @@
           </a:lstStyle>
           <a:p>
             <a:r>
-              <a:rPr lang="en-US"/>
+              <a:rPr lang="en-US" smtClean="0"/>
               <a:t>Click icon to add picture</a:t>
             </a:r>
+            <a:endParaRPr lang="en-US"/>
           </a:p>
         </p:txBody>
       </p:sp>
@@ -3053,7 +2982,7 @@
           <a:p>
             <a:pPr lvl="0"/>
             <a:r>
-              <a:rPr lang="en-US"/>
+              <a:rPr lang="en-US" smtClean="0"/>
               <a:t>Click to edit Master text styles</a:t>
             </a:r>
           </a:p>
@@ -3124,35 +3053,35 @@
           <a:p>
             <a:pPr lvl="0"/>
             <a:r>
-              <a:rPr lang="en-US"/>
+              <a:rPr lang="en-US" smtClean="0"/>
               <a:t>Click to edit Master text styles</a:t>
             </a:r>
           </a:p>
           <a:p>
             <a:pPr lvl="1"/>
             <a:r>
-              <a:rPr lang="en-US"/>
+              <a:rPr lang="en-US" smtClean="0"/>
               <a:t>Second level</a:t>
             </a:r>
           </a:p>
           <a:p>
             <a:pPr lvl="2"/>
             <a:r>
-              <a:rPr lang="en-US"/>
+              <a:rPr lang="en-US" smtClean="0"/>
               <a:t>Third level</a:t>
             </a:r>
           </a:p>
           <a:p>
             <a:pPr lvl="3"/>
             <a:r>
-              <a:rPr lang="en-US"/>
+              <a:rPr lang="en-US" smtClean="0"/>
               <a:t>Fourth level</a:t>
             </a:r>
           </a:p>
           <a:p>
             <a:pPr lvl="4"/>
             <a:r>
-              <a:rPr lang="en-US"/>
+              <a:rPr lang="en-US" smtClean="0"/>
               <a:t>Fifth level</a:t>
             </a:r>
             <a:endParaRPr lang="en-US" dirty="0"/>
@@ -3178,6 +3107,13 @@
     <p:sldLayoutId id="2147483656" r:id="rId8"/>
     <p:sldLayoutId id="2147483657" r:id="rId9"/>
   </p:sldLayoutIdLst>
+  <p:timing>
+    <p:tnLst>
+      <p:par>
+        <p:cTn id="1" dur="indefinite" restart="never" nodeType="tmRoot"/>
+      </p:par>
+    </p:tnLst>
+  </p:timing>
   <p:txStyles>
     <p:titleStyle>
       <a:lvl1pPr algn="ctr" defTabSz="457200" rtl="0" eaLnBrk="1" latinLnBrk="0" hangingPunct="1">
@@ -3550,7 +3486,7 @@
           <a:p>
             <a:pPr lvl="0"/>
             <a:r>
-              <a:rPr lang="en-US" dirty="0"/>
+              <a:rPr lang="en-US" dirty="0" smtClean="0"/>
               <a:t>Click to edit Master title style</a:t>
             </a:r>
           </a:p>
@@ -3592,35 +3528,35 @@
           <a:p>
             <a:pPr lvl="0"/>
             <a:r>
-              <a:rPr lang="en-US" dirty="0"/>
+              <a:rPr lang="en-US" dirty="0" smtClean="0"/>
               <a:t>Click to edit Master text styles</a:t>
             </a:r>
           </a:p>
           <a:p>
             <a:pPr lvl="1"/>
             <a:r>
-              <a:rPr lang="en-US" dirty="0"/>
+              <a:rPr lang="en-US" dirty="0" smtClean="0"/>
               <a:t>Second level</a:t>
             </a:r>
           </a:p>
           <a:p>
             <a:pPr lvl="2"/>
             <a:r>
-              <a:rPr lang="en-US" dirty="0"/>
+              <a:rPr lang="en-US" dirty="0" smtClean="0"/>
               <a:t>Third level</a:t>
             </a:r>
           </a:p>
           <a:p>
             <a:pPr lvl="3"/>
             <a:r>
-              <a:rPr lang="en-US" dirty="0"/>
+              <a:rPr lang="en-US" dirty="0" smtClean="0"/>
               <a:t>Fourth level</a:t>
             </a:r>
           </a:p>
           <a:p>
             <a:pPr lvl="4"/>
             <a:r>
-              <a:rPr lang="en-US" dirty="0"/>
+              <a:rPr lang="en-US" dirty="0" smtClean="0"/>
               <a:t>Fifth level</a:t>
             </a:r>
           </a:p>
@@ -4282,11 +4218,14 @@
           <a:lstStyle/>
           <a:p>
             <a:r>
-              <a:rPr lang="en-US" sz="18000" dirty="0">
+              <a:rPr lang="en-US" sz="18000" dirty="0" smtClean="0">
                 <a:latin typeface="Rockwell Extra Bold" panose="02060903040505020403" pitchFamily="18" charset="0"/>
               </a:rPr>
               <a:t>NLP</a:t>
             </a:r>
+            <a:endParaRPr lang="en-US" sz="18000" dirty="0">
+              <a:latin typeface="Rockwell Extra Bold" panose="02060903040505020403" pitchFamily="18" charset="0"/>
+            </a:endParaRPr>
           </a:p>
         </p:txBody>
       </p:sp>
@@ -4300,6 +4239,13 @@
   <p:clrMapOvr>
     <a:masterClrMapping/>
   </p:clrMapOvr>
+  <p:timing>
+    <p:tnLst>
+      <p:par>
+        <p:cTn id="1" dur="indefinite" restart="never" nodeType="tmRoot"/>
+      </p:par>
+    </p:tnLst>
+  </p:timing>
 </p:sld>
 </file>
 
@@ -4336,7 +4282,7 @@
           <a:lstStyle/>
           <a:p>
             <a:r>
-              <a:rPr lang="en-US" altLang="en-US" dirty="0"/>
+              <a:rPr lang="en-US" altLang="en-US" dirty="0" smtClean="0"/>
               <a:t>Determiners and Adjectives</a:t>
             </a:r>
           </a:p>
@@ -4370,7 +4316,7 @@
               </a:lnSpc>
             </a:pPr>
             <a:r>
-              <a:rPr lang="en-US" altLang="en-US" sz="2800" dirty="0"/>
+              <a:rPr lang="en-US" altLang="en-US" sz="2800" dirty="0" smtClean="0"/>
               <a:t>Determiners</a:t>
             </a:r>
           </a:p>
@@ -4381,7 +4327,7 @@
               </a:lnSpc>
             </a:pPr>
             <a:r>
-              <a:rPr lang="en-US" altLang="en-US" sz="2300" dirty="0"/>
+              <a:rPr lang="en-US" altLang="en-US" sz="2300" dirty="0" smtClean="0"/>
               <a:t>Articles</a:t>
             </a:r>
           </a:p>
@@ -4392,10 +4338,10 @@
               </a:lnSpc>
             </a:pPr>
             <a:r>
-              <a:rPr lang="en-US" altLang="en-US" sz="2100" i="1" dirty="0"/>
+              <a:rPr lang="en-US" altLang="en-US" sz="2100" i="1" dirty="0" smtClean="0"/>
               <a:t>the, a</a:t>
             </a:r>
-            <a:endParaRPr lang="en-US" altLang="en-US" sz="2100" dirty="0"/>
+            <a:endParaRPr lang="en-US" altLang="en-US" sz="2100" dirty="0" smtClean="0"/>
           </a:p>
           <a:p>
             <a:pPr lvl="1">
@@ -4404,7 +4350,7 @@
               </a:lnSpc>
             </a:pPr>
             <a:r>
-              <a:rPr lang="en-US" altLang="en-US" sz="2300" dirty="0"/>
+              <a:rPr lang="en-US" altLang="en-US" sz="2300" dirty="0" smtClean="0"/>
               <a:t>Demonstratives</a:t>
             </a:r>
           </a:p>
@@ -4415,10 +4361,10 @@
               </a:lnSpc>
             </a:pPr>
             <a:r>
-              <a:rPr lang="en-US" altLang="en-US" sz="2100" i="1" dirty="0"/>
+              <a:rPr lang="en-US" altLang="en-US" sz="2100" i="1" dirty="0" smtClean="0"/>
               <a:t>this, that</a:t>
             </a:r>
-            <a:endParaRPr lang="en-US" altLang="en-US" sz="2100" dirty="0"/>
+            <a:endParaRPr lang="en-US" altLang="en-US" sz="2100" dirty="0" smtClean="0"/>
           </a:p>
           <a:p>
             <a:pPr>
@@ -4427,7 +4373,7 @@
               </a:lnSpc>
             </a:pPr>
             <a:r>
-              <a:rPr lang="en-US" altLang="en-US" sz="2800" dirty="0"/>
+              <a:rPr lang="en-US" altLang="en-US" sz="2800" dirty="0" smtClean="0"/>
               <a:t>Adjectives</a:t>
             </a:r>
           </a:p>
@@ -4438,7 +4384,7 @@
               </a:lnSpc>
             </a:pPr>
             <a:r>
-              <a:rPr lang="en-US" altLang="en-US" sz="2300" dirty="0"/>
+              <a:rPr lang="en-US" altLang="en-US" sz="2300" dirty="0" smtClean="0"/>
               <a:t>describe properties</a:t>
             </a:r>
           </a:p>
@@ -4449,7 +4395,7 @@
               </a:lnSpc>
             </a:pPr>
             <a:r>
-              <a:rPr lang="en-US" altLang="en-US" sz="2300" dirty="0"/>
+              <a:rPr lang="en-US" altLang="en-US" sz="2300" dirty="0" smtClean="0"/>
               <a:t>attributive and predicative adjectives</a:t>
             </a:r>
           </a:p>
@@ -4460,7 +4406,7 @@
               </a:lnSpc>
             </a:pPr>
             <a:r>
-              <a:rPr lang="en-US" altLang="en-US" sz="2300" dirty="0"/>
+              <a:rPr lang="en-US" altLang="en-US" sz="2300" dirty="0" smtClean="0"/>
               <a:t>agreement</a:t>
             </a:r>
           </a:p>
@@ -4471,7 +4417,7 @@
               </a:lnSpc>
             </a:pPr>
             <a:r>
-              <a:rPr lang="en-US" altLang="en-US" sz="2100" dirty="0"/>
+              <a:rPr lang="en-US" altLang="en-US" sz="2100" dirty="0" smtClean="0"/>
               <a:t>in gender, number</a:t>
             </a:r>
           </a:p>
@@ -4482,7 +4428,7 @@
               </a:lnSpc>
             </a:pPr>
             <a:r>
-              <a:rPr lang="en-US" altLang="en-US" sz="2300" dirty="0"/>
+              <a:rPr lang="en-US" altLang="en-US" sz="2300" dirty="0" smtClean="0"/>
               <a:t>comparative and superlative forms </a:t>
             </a:r>
           </a:p>
@@ -4493,7 +4439,7 @@
               </a:lnSpc>
             </a:pPr>
             <a:r>
-              <a:rPr lang="en-US" altLang="en-US" sz="2100" dirty="0"/>
+              <a:rPr lang="en-US" altLang="en-US" sz="2100" dirty="0" smtClean="0"/>
               <a:t>derivative and periphrastic</a:t>
             </a:r>
           </a:p>
@@ -4504,7 +4450,7 @@
               </a:lnSpc>
             </a:pPr>
             <a:r>
-              <a:rPr lang="en-US" altLang="en-US" sz="2300" dirty="0"/>
+              <a:rPr lang="en-US" altLang="en-US" sz="2300" dirty="0" smtClean="0"/>
               <a:t>positive form</a:t>
             </a:r>
           </a:p>
@@ -4514,7 +4460,7 @@
                 <a:spcPct val="120000"/>
               </a:lnSpc>
             </a:pPr>
-            <a:endParaRPr lang="en-US" altLang="en-US" sz="2800" dirty="0"/>
+            <a:endParaRPr lang="en-US" altLang="en-US" sz="2800" dirty="0" smtClean="0"/>
           </a:p>
         </p:txBody>
       </p:sp>
@@ -5234,7 +5180,7 @@
           <a:lstStyle/>
           <a:p>
             <a:r>
-              <a:rPr lang="en-US" altLang="en-US" dirty="0"/>
+              <a:rPr lang="en-US" altLang="en-US" dirty="0" smtClean="0"/>
               <a:t>Verbs</a:t>
             </a:r>
           </a:p>
@@ -5268,7 +5214,7 @@
               </a:lnSpc>
             </a:pPr>
             <a:r>
-              <a:rPr lang="en-US" altLang="en-US" sz="2400" dirty="0"/>
+              <a:rPr lang="en-US" altLang="en-US" sz="2400" dirty="0" smtClean="0"/>
               <a:t>Describe</a:t>
             </a:r>
           </a:p>
@@ -5279,15 +5225,15 @@
               </a:lnSpc>
             </a:pPr>
             <a:r>
-              <a:rPr lang="en-US" altLang="en-US" sz="1900" dirty="0"/>
+              <a:rPr lang="en-US" altLang="en-US" sz="1900" dirty="0" smtClean="0"/>
               <a:t>actions, activities, and states (</a:t>
             </a:r>
             <a:r>
-              <a:rPr lang="en-US" altLang="en-US" sz="1900" i="1" dirty="0"/>
+              <a:rPr lang="en-US" altLang="en-US" sz="1900" i="1" dirty="0" smtClean="0"/>
               <a:t>throw, walk, have</a:t>
             </a:r>
             <a:r>
-              <a:rPr lang="en-US" altLang="en-US" sz="1900" dirty="0"/>
+              <a:rPr lang="en-US" altLang="en-US" sz="1900" dirty="0" smtClean="0"/>
               <a:t>)</a:t>
             </a:r>
           </a:p>
@@ -5298,7 +5244,7 @@
               </a:lnSpc>
             </a:pPr>
             <a:r>
-              <a:rPr lang="en-US" altLang="en-US" sz="2400" dirty="0"/>
+              <a:rPr lang="en-US" altLang="en-US" sz="2400" dirty="0" smtClean="0"/>
               <a:t>English</a:t>
             </a:r>
           </a:p>
@@ -5309,7 +5255,7 @@
               </a:lnSpc>
             </a:pPr>
             <a:r>
-              <a:rPr lang="en-US" altLang="en-US" sz="1900" dirty="0"/>
+              <a:rPr lang="en-US" altLang="en-US" sz="1900" dirty="0" smtClean="0"/>
               <a:t>four verb forms</a:t>
             </a:r>
           </a:p>
@@ -5320,7 +5266,7 @@
               </a:lnSpc>
             </a:pPr>
             <a:r>
-              <a:rPr lang="en-US" altLang="en-US" sz="2400" dirty="0"/>
+              <a:rPr lang="en-US" altLang="en-US" sz="2400" dirty="0" smtClean="0"/>
               <a:t>Tense</a:t>
             </a:r>
           </a:p>
@@ -5331,7 +5277,7 @@
               </a:lnSpc>
             </a:pPr>
             <a:r>
-              <a:rPr lang="en-US" altLang="en-US" sz="1900" dirty="0"/>
+              <a:rPr lang="en-US" altLang="en-US" sz="1900" dirty="0" smtClean="0"/>
               <a:t>present, past, future</a:t>
             </a:r>
           </a:p>
@@ -5342,7 +5288,7 @@
               </a:lnSpc>
             </a:pPr>
             <a:r>
-              <a:rPr lang="en-US" altLang="en-US" sz="2400" dirty="0"/>
+              <a:rPr lang="en-US" altLang="en-US" sz="2400" dirty="0" smtClean="0"/>
               <a:t>Other inflection</a:t>
             </a:r>
           </a:p>
@@ -5353,7 +5299,7 @@
               </a:lnSpc>
             </a:pPr>
             <a:r>
-              <a:rPr lang="en-US" altLang="en-US" sz="1900" dirty="0"/>
+              <a:rPr lang="en-US" altLang="en-US" sz="1900" dirty="0" smtClean="0"/>
               <a:t>number (including Dual in Slovenian, Arabic), person</a:t>
             </a:r>
           </a:p>
@@ -5364,7 +5310,7 @@
               </a:lnSpc>
             </a:pPr>
             <a:r>
-              <a:rPr lang="en-US" altLang="en-US" sz="2400" dirty="0"/>
+              <a:rPr lang="en-US" altLang="en-US" sz="2400" dirty="0" smtClean="0"/>
               <a:t>Forms</a:t>
             </a:r>
           </a:p>
@@ -5375,7 +5321,7 @@
               </a:lnSpc>
             </a:pPr>
             <a:r>
-              <a:rPr lang="en-US" altLang="en-US" sz="1900" dirty="0"/>
+              <a:rPr lang="en-US" altLang="en-US" sz="1900" dirty="0" smtClean="0"/>
               <a:t>gerunds and infinitive</a:t>
             </a:r>
           </a:p>
@@ -5386,7 +5332,7 @@
               </a:lnSpc>
             </a:pPr>
             <a:r>
-              <a:rPr lang="en-US" altLang="en-US" sz="2400" dirty="0"/>
+              <a:rPr lang="en-US" altLang="en-US" sz="2400" dirty="0" smtClean="0"/>
               <a:t>Aspect</a:t>
             </a:r>
           </a:p>
@@ -5397,7 +5343,7 @@
               </a:lnSpc>
             </a:pPr>
             <a:r>
-              <a:rPr lang="en-US" altLang="en-US" sz="1900" dirty="0"/>
+              <a:rPr lang="en-US" altLang="en-US" sz="1900" dirty="0" smtClean="0"/>
               <a:t>progressive, perfective</a:t>
             </a:r>
           </a:p>
@@ -5408,7 +5354,7 @@
               </a:lnSpc>
             </a:pPr>
             <a:r>
-              <a:rPr lang="en-US" altLang="en-US" sz="2400" dirty="0"/>
+              <a:rPr lang="en-US" altLang="en-US" sz="2400" dirty="0" smtClean="0"/>
               <a:t>Voice</a:t>
             </a:r>
           </a:p>
@@ -5419,7 +5365,7 @@
               </a:lnSpc>
             </a:pPr>
             <a:r>
-              <a:rPr lang="en-US" altLang="en-US" sz="1900" dirty="0"/>
+              <a:rPr lang="en-US" altLang="en-US" sz="1900" dirty="0" smtClean="0"/>
               <a:t>active, passive</a:t>
             </a:r>
           </a:p>
@@ -6190,7 +6136,7 @@
           <a:lstStyle/>
           <a:p>
             <a:r>
-              <a:rPr lang="en-US" altLang="en-US" dirty="0"/>
+              <a:rPr lang="en-US" altLang="en-US" dirty="0" smtClean="0"/>
               <a:t>Verbs</a:t>
             </a:r>
           </a:p>
@@ -6224,7 +6170,7 @@
               </a:lnSpc>
             </a:pPr>
             <a:r>
-              <a:rPr lang="en-US" altLang="en-US" sz="2400" dirty="0"/>
+              <a:rPr lang="en-US" altLang="en-US" sz="2400" dirty="0" smtClean="0"/>
               <a:t>Participles, auxiliaries</a:t>
             </a:r>
           </a:p>
@@ -6235,29 +6181,50 @@
               </a:lnSpc>
             </a:pPr>
             <a:r>
-              <a:rPr lang="en-US" altLang="en-US" sz="2400" dirty="0"/>
+              <a:rPr lang="en-US" altLang="en-US" sz="2400" dirty="0" smtClean="0"/>
               <a:t>Arguments:</a:t>
             </a:r>
           </a:p>
           <a:p>
             <a:pPr lvl="1"/>
             <a:r>
+              <a:rPr lang="en-US" sz="1600" dirty="0" smtClean="0"/>
+              <a:t>The dog sleeps   (intransitive)</a:t>
+            </a:r>
+            <a:endParaRPr lang="en-US" sz="1600" dirty="0"/>
+          </a:p>
+          <a:p>
+            <a:pPr lvl="1"/>
+            <a:r>
+              <a:rPr lang="en-US" sz="1600" dirty="0" smtClean="0"/>
+              <a:t>The dog chased the cat (transitive)</a:t>
+            </a:r>
+          </a:p>
+          <a:p>
+            <a:pPr lvl="1"/>
+            <a:r>
+              <a:rPr lang="en-US" sz="1600" dirty="0" smtClean="0"/>
+              <a:t>Mary </a:t>
+            </a:r>
+            <a:r>
               <a:rPr lang="en-US" sz="1600" dirty="0"/>
-              <a:t>The dog sleeps   (intransitive)</a:t>
-            </a:r>
-          </a:p>
-          <a:p>
-            <a:pPr lvl="1"/>
+              <a:t>gave the </a:t>
+            </a:r>
+            <a:r>
+              <a:rPr lang="en-US" sz="1600" dirty="0" smtClean="0"/>
+              <a:t>dog </a:t>
+            </a:r>
             <a:r>
               <a:rPr lang="en-US" sz="1600" dirty="0"/>
-              <a:t>The dog chased the cat (transitive)</a:t>
-            </a:r>
-          </a:p>
-          <a:p>
-            <a:pPr lvl="1"/>
+              <a:t>a </a:t>
+            </a:r>
+            <a:r>
+              <a:rPr lang="en-US" sz="1600" dirty="0" smtClean="0"/>
+              <a:t>bone (ditransitive</a:t>
+            </a:r>
             <a:r>
               <a:rPr lang="en-US" sz="1600" dirty="0"/>
-              <a:t>Mary gave the dog a bone (ditransitive)</a:t>
+              <a:t>)</a:t>
             </a:r>
           </a:p>
           <a:p>
@@ -6267,7 +6234,7 @@
               </a:lnSpc>
             </a:pPr>
             <a:r>
-              <a:rPr lang="en-US" altLang="en-US" sz="2400" dirty="0"/>
+              <a:rPr lang="en-US" altLang="en-US" sz="2400" dirty="0" smtClean="0"/>
               <a:t>Irregular verbs</a:t>
             </a:r>
           </a:p>
@@ -6278,7 +6245,7 @@
               </a:lnSpc>
             </a:pPr>
             <a:r>
-              <a:rPr lang="en-US" altLang="en-US" sz="1900" dirty="0"/>
+              <a:rPr lang="en-US" altLang="en-US" sz="1900" dirty="0" smtClean="0"/>
               <a:t>sleep, slept</a:t>
             </a:r>
           </a:p>
@@ -6289,7 +6256,7 @@
               </a:lnSpc>
             </a:pPr>
             <a:r>
-              <a:rPr lang="en-US" altLang="en-US" sz="2400" dirty="0"/>
+              <a:rPr lang="en-US" altLang="en-US" sz="2400" dirty="0" smtClean="0"/>
               <a:t>Richer inflections</a:t>
             </a:r>
           </a:p>
@@ -6300,7 +6267,7 @@
               </a:lnSpc>
             </a:pPr>
             <a:r>
-              <a:rPr lang="en-US" altLang="en-US" sz="1900" dirty="0"/>
+              <a:rPr lang="en-US" altLang="en-US" sz="1900" dirty="0" smtClean="0"/>
               <a:t>e.g., French, Finnish</a:t>
             </a:r>
           </a:p>
@@ -6311,7 +6278,7 @@
               </a:lnSpc>
             </a:pPr>
             <a:r>
-              <a:rPr lang="en-US" altLang="en-US" sz="1900" dirty="0"/>
+              <a:rPr lang="en-US" altLang="en-US" sz="1900" dirty="0" smtClean="0"/>
               <a:t>cases in Russian, Greek, Tamil, Latin</a:t>
             </a:r>
           </a:p>
@@ -6925,6 +6892,10 @@
                         <a:rPr lang="en-US" sz="1400" b="1" dirty="0"/>
                         <a:t>Present</a:t>
                       </a:r>
+                      <a:r>
+                        <a:rPr lang="en-US" sz="1400" dirty="0"/>
+                        <a:t/>
+                      </a:r>
                       <a:br>
                         <a:rPr lang="en-US" sz="1400" dirty="0"/>
                       </a:br>
@@ -6948,6 +6919,10 @@
                         <a:rPr lang="en-US" sz="1400" i="1" dirty="0"/>
                         <a:t>I go</a:t>
                       </a:r>
+                      <a:r>
+                        <a:rPr lang="en-US" sz="1400" dirty="0"/>
+                        <a:t/>
+                      </a:r>
                       <a:br>
                         <a:rPr lang="en-US" sz="1400" dirty="0"/>
                       </a:br>
@@ -6971,6 +6946,10 @@
                         <a:rPr lang="en-US" sz="1400" i="1" dirty="0"/>
                         <a:t>you go</a:t>
                       </a:r>
+                      <a:r>
+                        <a:rPr lang="en-US" sz="1400" dirty="0"/>
+                        <a:t/>
+                      </a:r>
                       <a:br>
                         <a:rPr lang="en-US" sz="1400" dirty="0"/>
                       </a:br>
@@ -7000,6 +6979,10 @@
                         <a:rPr lang="en-US" sz="1400" i="1" dirty="0"/>
                         <a:t>he goes</a:t>
                       </a:r>
+                      <a:r>
+                        <a:rPr lang="en-US" sz="1400" dirty="0"/>
+                        <a:t/>
+                      </a:r>
                       <a:br>
                         <a:rPr lang="en-US" sz="1400" dirty="0"/>
                       </a:br>
@@ -7023,6 +7006,10 @@
                         <a:rPr lang="en-US" sz="1400" i="1" dirty="0"/>
                         <a:t>we go</a:t>
                       </a:r>
+                      <a:r>
+                        <a:rPr lang="en-US" sz="1400" dirty="0"/>
+                        <a:t/>
+                      </a:r>
                       <a:br>
                         <a:rPr lang="en-US" sz="1400" dirty="0"/>
                       </a:br>
@@ -7051,6 +7038,10 @@
                       <a:r>
                         <a:rPr lang="en-US" sz="1400" i="1" dirty="0"/>
                         <a:t>you go</a:t>
+                      </a:r>
+                      <a:r>
+                        <a:rPr lang="en-US" sz="1400" dirty="0"/>
+                        <a:t/>
                       </a:r>
                       <a:br>
                         <a:rPr lang="en-US" sz="1400" dirty="0"/>
@@ -7108,6 +7099,10 @@
                         <a:rPr lang="fr-FR" sz="1400" b="1" dirty="0" err="1"/>
                         <a:t>Past</a:t>
                       </a:r>
+                      <a:r>
+                        <a:rPr lang="fr-FR" sz="1400" dirty="0"/>
+                        <a:t/>
+                      </a:r>
                       <a:br>
                         <a:rPr lang="fr-FR" sz="1400" dirty="0"/>
                       </a:br>
@@ -7115,173 +7110,229 @@
                         <a:rPr lang="fr-FR" sz="1400" b="1" dirty="0">
                           <a:hlinkClick r:id="rId8"/>
                         </a:rPr>
-                        <a:t>je suis allé</a:t>
-                      </a:r>
+                        <a:t>je suis </a:t>
+                      </a:r>
+                      <a:r>
+                        <a:rPr lang="fr-FR" sz="1400" b="1" dirty="0" smtClean="0">
+                          <a:hlinkClick r:id="rId8"/>
+                        </a:rPr>
+                        <a:t>allé</a:t>
+                      </a:r>
+                      <a:r>
+                        <a:rPr lang="fr-FR" sz="1400" b="1" dirty="0" smtClean="0">
+                          <a:hlinkClick r:id="rId9"/>
+                        </a:rPr>
+                        <a:t>(e)</a:t>
+                      </a:r>
+                      <a:r>
+                        <a:rPr lang="fr-FR" sz="1400" dirty="0" smtClean="0"/>
+                        <a:t> </a:t>
+                      </a:r>
+                      <a:r>
+                        <a:rPr lang="fr-FR" sz="1400" i="1" dirty="0"/>
+                        <a:t>I </a:t>
+                      </a:r>
+                      <a:r>
+                        <a:rPr lang="fr-FR" sz="1400" i="1" dirty="0" err="1"/>
+                        <a:t>went</a:t>
+                      </a:r>
+                      <a:r>
+                        <a:rPr lang="fr-FR" sz="1400" dirty="0"/>
+                        <a:t/>
+                      </a:r>
+                      <a:br>
+                        <a:rPr lang="fr-FR" sz="1400" dirty="0"/>
+                      </a:br>
+                      <a:r>
+                        <a:rPr lang="fr-FR" sz="1400" b="1" dirty="0">
+                          <a:hlinkClick r:id="rId10"/>
+                        </a:rPr>
+                        <a:t>tu es </a:t>
+                      </a:r>
+                      <a:r>
+                        <a:rPr lang="fr-FR" sz="1400" b="1" dirty="0" smtClean="0">
+                          <a:hlinkClick r:id="rId10"/>
+                        </a:rPr>
+                        <a:t>allé</a:t>
+                      </a:r>
+                      <a:r>
+                        <a:rPr lang="fr-FR" sz="1400" b="1" dirty="0" smtClean="0">
+                          <a:hlinkClick r:id="rId9"/>
+                        </a:rPr>
+                        <a:t>(e)</a:t>
+                      </a:r>
+                      <a:r>
+                        <a:rPr lang="fr-FR" sz="1400" dirty="0" smtClean="0"/>
+                        <a:t> </a:t>
+                      </a:r>
+                      <a:r>
+                        <a:rPr lang="fr-FR" sz="1400" i="1" dirty="0" err="1"/>
+                        <a:t>you</a:t>
+                      </a:r>
+                      <a:r>
+                        <a:rPr lang="fr-FR" sz="1400" i="1" dirty="0"/>
+                        <a:t> </a:t>
+                      </a:r>
+                      <a:r>
+                        <a:rPr lang="fr-FR" sz="1400" i="1" dirty="0" err="1"/>
+                        <a:t>went</a:t>
+                      </a:r>
+                      <a:r>
+                        <a:rPr lang="fr-FR" sz="1400" dirty="0"/>
+                        <a:t/>
+                      </a:r>
+                      <a:br>
+                        <a:rPr lang="fr-FR" sz="1400" dirty="0"/>
+                      </a:br>
+                      <a:r>
+                        <a:rPr lang="fr-FR" sz="1400" b="1" dirty="0">
+                          <a:hlinkClick r:id="rId11"/>
+                        </a:rPr>
+                        <a:t>il est </a:t>
+                      </a:r>
+                      <a:r>
+                        <a:rPr lang="fr-FR" sz="1400" b="1" dirty="0" smtClean="0">
+                          <a:hlinkClick r:id="rId11"/>
+                        </a:rPr>
+                        <a:t>allé</a:t>
+                      </a:r>
+                      <a:r>
+                        <a:rPr lang="fr-FR" sz="1400" b="1" dirty="0" smtClean="0">
+                          <a:hlinkClick r:id="rId9"/>
+                        </a:rPr>
+                        <a:t>(e)</a:t>
+                      </a:r>
+                      <a:r>
+                        <a:rPr lang="fr-FR" sz="1400" dirty="0" smtClean="0"/>
+                        <a:t> </a:t>
+                      </a:r>
+                      <a:r>
+                        <a:rPr lang="fr-FR" sz="1400" i="1" dirty="0" err="1"/>
+                        <a:t>he</a:t>
+                      </a:r>
+                      <a:r>
+                        <a:rPr lang="fr-FR" sz="1400" i="1" dirty="0"/>
+                        <a:t> </a:t>
+                      </a:r>
+                      <a:r>
+                        <a:rPr lang="fr-FR" sz="1400" i="1" dirty="0" err="1"/>
+                        <a:t>went</a:t>
+                      </a:r>
+                      <a:r>
+                        <a:rPr lang="fr-FR" sz="1400" dirty="0"/>
+                        <a:t/>
+                      </a:r>
+                      <a:br>
+                        <a:rPr lang="fr-FR" sz="1400" dirty="0"/>
+                      </a:br>
+                      <a:r>
+                        <a:rPr lang="fr-FR" sz="1400" b="1" dirty="0">
+                          <a:hlinkClick r:id="rId12"/>
+                        </a:rPr>
+                        <a:t>nous sommes </a:t>
+                      </a:r>
+                      <a:r>
+                        <a:rPr lang="fr-FR" sz="1400" b="1" dirty="0" smtClean="0">
+                          <a:hlinkClick r:id="rId12"/>
+                        </a:rPr>
+                        <a:t>allé</a:t>
+                      </a:r>
+                      <a:r>
+                        <a:rPr lang="fr-FR" sz="1400" b="1" dirty="0" smtClean="0">
+                          <a:hlinkClick r:id="rId9"/>
+                        </a:rPr>
+                        <a:t>(e)</a:t>
+                      </a:r>
+                      <a:r>
+                        <a:rPr lang="fr-FR" sz="1400" b="1" dirty="0" smtClean="0">
+                          <a:hlinkClick r:id="rId12"/>
+                        </a:rPr>
+                        <a:t>s</a:t>
+                      </a:r>
+                      <a:r>
+                        <a:rPr lang="fr-FR" sz="1400" dirty="0" smtClean="0"/>
+                        <a:t> </a:t>
+                      </a:r>
+                      <a:r>
+                        <a:rPr lang="fr-FR" sz="1400" i="1" dirty="0" err="1"/>
+                        <a:t>we</a:t>
+                      </a:r>
+                      <a:r>
+                        <a:rPr lang="fr-FR" sz="1400" i="1" dirty="0"/>
+                        <a:t> </a:t>
+                      </a:r>
+                      <a:r>
+                        <a:rPr lang="fr-FR" sz="1400" i="1" dirty="0" err="1"/>
+                        <a:t>went</a:t>
+                      </a:r>
+                      <a:r>
+                        <a:rPr lang="fr-FR" sz="1400" dirty="0"/>
+                        <a:t/>
+                      </a:r>
+                      <a:br>
+                        <a:rPr lang="fr-FR" sz="1400" dirty="0"/>
+                      </a:br>
                       <a:r>
                         <a:rPr lang="fr-FR" sz="1400" b="1" dirty="0">
                           <a:hlinkClick r:id="rId9"/>
                         </a:rPr>
-                        <a:t>(e)</a:t>
-                      </a:r>
-                      <a:r>
-                        <a:rPr lang="fr-FR" sz="1400" dirty="0"/>
+                        <a:t>vous êtes </a:t>
+                      </a:r>
+                      <a:r>
+                        <a:rPr lang="fr-FR" sz="1400" b="1" dirty="0" smtClean="0">
+                          <a:hlinkClick r:id="rId9"/>
+                        </a:rPr>
+                        <a:t>allé(e)s</a:t>
+                      </a:r>
+                      <a:r>
+                        <a:rPr lang="fr-FR" sz="1400" dirty="0" smtClean="0"/>
                         <a:t> </a:t>
                       </a:r>
                       <a:r>
+                        <a:rPr lang="fr-FR" sz="1400" i="1" dirty="0" err="1"/>
+                        <a:t>you</a:t>
+                      </a:r>
+                      <a:r>
                         <a:rPr lang="fr-FR" sz="1400" i="1" dirty="0"/>
-                        <a:t>I </a:t>
+                        <a:t> </a:t>
                       </a:r>
                       <a:r>
                         <a:rPr lang="fr-FR" sz="1400" i="1" dirty="0" err="1"/>
                         <a:t>went</a:t>
+                      </a:r>
+                      <a:r>
+                        <a:rPr lang="fr-FR" sz="1400" dirty="0"/>
+                        <a:t/>
                       </a:r>
                       <a:br>
                         <a:rPr lang="fr-FR" sz="1400" dirty="0"/>
                       </a:br>
                       <a:r>
                         <a:rPr lang="fr-FR" sz="1400" b="1" dirty="0">
-                          <a:hlinkClick r:id="rId10"/>
+                          <a:hlinkClick r:id="rId13"/>
                         </a:rPr>
-                        <a:t>tu es allé</a:t>
-                      </a:r>
-                      <a:r>
-                        <a:rPr lang="fr-FR" sz="1400" b="1" dirty="0">
+                        <a:t>ils sont </a:t>
+                      </a:r>
+                      <a:r>
+                        <a:rPr lang="fr-FR" sz="1400" b="1" dirty="0" smtClean="0">
+                          <a:hlinkClick r:id="rId13"/>
+                        </a:rPr>
+                        <a:t>allé</a:t>
+                      </a:r>
+                      <a:r>
+                        <a:rPr lang="fr-FR" sz="1400" b="1" dirty="0" smtClean="0">
                           <a:hlinkClick r:id="rId9"/>
                         </a:rPr>
                         <a:t>(e)</a:t>
                       </a:r>
                       <a:r>
-                        <a:rPr lang="fr-FR" sz="1400" dirty="0"/>
-                        <a:t> </a:t>
-                      </a:r>
-                      <a:r>
-                        <a:rPr lang="fr-FR" sz="1400" i="1" dirty="0" err="1"/>
-                        <a:t>you</a:t>
-                      </a:r>
-                      <a:r>
-                        <a:rPr lang="fr-FR" sz="1400" i="1" dirty="0"/>
-                        <a:t> </a:t>
-                      </a:r>
-                      <a:r>
-                        <a:rPr lang="fr-FR" sz="1400" i="1" dirty="0" err="1"/>
-                        <a:t>went</a:t>
-                      </a:r>
-                      <a:br>
-                        <a:rPr lang="fr-FR" sz="1400" dirty="0"/>
-                      </a:br>
-                      <a:r>
-                        <a:rPr lang="fr-FR" sz="1400" b="1" dirty="0">
-                          <a:hlinkClick r:id="rId11"/>
-                        </a:rPr>
-                        <a:t>il est allé</a:t>
-                      </a:r>
-                      <a:r>
-                        <a:rPr lang="fr-FR" sz="1400" b="1" dirty="0">
-                          <a:hlinkClick r:id="rId9"/>
-                        </a:rPr>
-                        <a:t>(e)</a:t>
-                      </a:r>
-                      <a:r>
-                        <a:rPr lang="fr-FR" sz="1400" dirty="0"/>
-                        <a:t> </a:t>
-                      </a:r>
-                      <a:r>
-                        <a:rPr lang="fr-FR" sz="1400" i="1" dirty="0" err="1"/>
-                        <a:t>he</a:t>
-                      </a:r>
-                      <a:r>
-                        <a:rPr lang="fr-FR" sz="1400" i="1" dirty="0"/>
-                        <a:t> </a:t>
-                      </a:r>
-                      <a:r>
-                        <a:rPr lang="fr-FR" sz="1400" i="1" dirty="0" err="1"/>
-                        <a:t>went</a:t>
-                      </a:r>
-                      <a:br>
-                        <a:rPr lang="fr-FR" sz="1400" dirty="0"/>
-                      </a:br>
-                      <a:r>
-                        <a:rPr lang="fr-FR" sz="1400" b="1" dirty="0">
-                          <a:hlinkClick r:id="rId12"/>
-                        </a:rPr>
-                        <a:t>nous sommes allé</a:t>
-                      </a:r>
-                      <a:r>
-                        <a:rPr lang="fr-FR" sz="1400" b="1" dirty="0">
-                          <a:hlinkClick r:id="rId9"/>
-                        </a:rPr>
-                        <a:t>(e)</a:t>
-                      </a:r>
-                      <a:r>
-                        <a:rPr lang="fr-FR" sz="1400" b="1" dirty="0">
-                          <a:hlinkClick r:id="rId12"/>
-                        </a:rPr>
-                        <a:t>s</a:t>
-                      </a:r>
-                      <a:r>
-                        <a:rPr lang="fr-FR" sz="1400" dirty="0"/>
-                        <a:t> </a:t>
-                      </a:r>
-                      <a:r>
-                        <a:rPr lang="fr-FR" sz="1400" i="1" dirty="0" err="1"/>
-                        <a:t>we</a:t>
-                      </a:r>
-                      <a:r>
-                        <a:rPr lang="fr-FR" sz="1400" i="1" dirty="0"/>
-                        <a:t> </a:t>
-                      </a:r>
-                      <a:r>
-                        <a:rPr lang="fr-FR" sz="1400" i="1" dirty="0" err="1"/>
-                        <a:t>went</a:t>
-                      </a:r>
-                      <a:br>
-                        <a:rPr lang="fr-FR" sz="1400" dirty="0"/>
-                      </a:br>
-                      <a:r>
-                        <a:rPr lang="fr-FR" sz="1400" b="1" dirty="0">
-                          <a:hlinkClick r:id="rId9"/>
-                        </a:rPr>
-                        <a:t>vous êtes allé(e)s</a:t>
-                      </a:r>
-                      <a:r>
-                        <a:rPr lang="fr-FR" sz="1400" dirty="0"/>
-                        <a:t> </a:t>
-                      </a:r>
-                      <a:r>
-                        <a:rPr lang="fr-FR" sz="1400" i="1" dirty="0" err="1"/>
-                        <a:t>you</a:t>
-                      </a:r>
-                      <a:r>
-                        <a:rPr lang="fr-FR" sz="1400" i="1" dirty="0"/>
-                        <a:t> </a:t>
-                      </a:r>
-                      <a:r>
-                        <a:rPr lang="fr-FR" sz="1400" i="1" dirty="0" err="1"/>
-                        <a:t>went</a:t>
-                      </a:r>
-                      <a:br>
-                        <a:rPr lang="fr-FR" sz="1400" dirty="0"/>
-                      </a:br>
-                      <a:r>
-                        <a:rPr lang="fr-FR" sz="1400" b="1" dirty="0">
-                          <a:hlinkClick r:id="rId13"/>
-                        </a:rPr>
-                        <a:t>ils sont allé</a:t>
-                      </a:r>
-                      <a:r>
-                        <a:rPr lang="fr-FR" sz="1400" b="1" dirty="0">
-                          <a:hlinkClick r:id="rId9"/>
-                        </a:rPr>
-                        <a:t>(e)</a:t>
-                      </a:r>
-                      <a:r>
-                        <a:rPr lang="fr-FR" sz="1400" b="1" dirty="0">
+                        <a:rPr lang="fr-FR" sz="1400" b="1" dirty="0" smtClean="0">
                           <a:hlinkClick r:id="rId13"/>
                         </a:rPr>
                         <a:t>s</a:t>
                       </a:r>
                       <a:r>
-                        <a:rPr lang="fr-FR" sz="1400" dirty="0"/>
+                        <a:rPr lang="fr-FR" sz="1400" dirty="0" smtClean="0"/>
                         <a:t> </a:t>
                       </a:r>
                       <a:r>
@@ -7323,6 +7374,10 @@
                         <a:rPr lang="en-US" sz="1400" b="1"/>
                         <a:t>Imperfect</a:t>
                       </a:r>
+                      <a:r>
+                        <a:rPr lang="en-US" sz="1400"/>
+                        <a:t/>
+                      </a:r>
                       <a:br>
                         <a:rPr lang="en-US" sz="1400"/>
                       </a:br>
@@ -7340,6 +7395,10 @@
                         <a:rPr lang="en-US" sz="1400" i="1"/>
                         <a:t>I used to go</a:t>
                       </a:r>
+                      <a:r>
+                        <a:rPr lang="en-US" sz="1400"/>
+                        <a:t/>
+                      </a:r>
                       <a:br>
                         <a:rPr lang="en-US" sz="1400"/>
                       </a:br>
@@ -7357,6 +7416,10 @@
                         <a:rPr lang="en-US" sz="1400" i="1"/>
                         <a:t>you used to go</a:t>
                       </a:r>
+                      <a:r>
+                        <a:rPr lang="en-US" sz="1400"/>
+                        <a:t/>
+                      </a:r>
                       <a:br>
                         <a:rPr lang="en-US" sz="1400"/>
                       </a:br>
@@ -7374,6 +7437,10 @@
                         <a:rPr lang="en-US" sz="1400" i="1"/>
                         <a:t>he used to go</a:t>
                       </a:r>
+                      <a:r>
+                        <a:rPr lang="en-US" sz="1400"/>
+                        <a:t/>
+                      </a:r>
                       <a:br>
                         <a:rPr lang="en-US" sz="1400"/>
                       </a:br>
@@ -7391,6 +7458,10 @@
                         <a:rPr lang="en-US" sz="1400" i="1"/>
                         <a:t>we used to go</a:t>
                       </a:r>
+                      <a:r>
+                        <a:rPr lang="en-US" sz="1400"/>
+                        <a:t/>
+                      </a:r>
                       <a:br>
                         <a:rPr lang="en-US" sz="1400"/>
                       </a:br>
@@ -7407,6 +7478,10 @@
                       <a:r>
                         <a:rPr lang="en-US" sz="1400" i="1"/>
                         <a:t>you used to go</a:t>
+                      </a:r>
+                      <a:r>
+                        <a:rPr lang="en-US" sz="1400"/>
+                        <a:t/>
                       </a:r>
                       <a:br>
                         <a:rPr lang="en-US" sz="1400"/>
@@ -7459,6 +7534,10 @@
                         <a:rPr lang="en-US" sz="1400" b="1" i="1" u="none" dirty="0"/>
                         <a:t>Conditional</a:t>
                       </a:r>
+                      <a:r>
+                        <a:rPr lang="en-US" sz="1400" dirty="0"/>
+                        <a:t/>
+                      </a:r>
                       <a:br>
                         <a:rPr lang="en-US" sz="1400" dirty="0"/>
                       </a:br>
@@ -7476,6 +7555,10 @@
                         <a:rPr lang="en-US" sz="1400" i="1" dirty="0"/>
                         <a:t>I would go</a:t>
                       </a:r>
+                      <a:r>
+                        <a:rPr lang="en-US" sz="1400" dirty="0"/>
+                        <a:t/>
+                      </a:r>
                       <a:br>
                         <a:rPr lang="en-US" sz="1400" dirty="0"/>
                       </a:br>
@@ -7505,6 +7588,10 @@
                         <a:rPr lang="en-US" sz="1400" i="1" dirty="0"/>
                         <a:t>you would go</a:t>
                       </a:r>
+                      <a:r>
+                        <a:rPr lang="en-US" sz="1400" dirty="0"/>
+                        <a:t/>
+                      </a:r>
                       <a:br>
                         <a:rPr lang="en-US" sz="1400" dirty="0"/>
                       </a:br>
@@ -7534,6 +7621,10 @@
                         <a:rPr lang="en-US" sz="1400" i="1" dirty="0"/>
                         <a:t>he would go</a:t>
                       </a:r>
+                      <a:r>
+                        <a:rPr lang="en-US" sz="1400" dirty="0"/>
+                        <a:t/>
+                      </a:r>
                       <a:br>
                         <a:rPr lang="en-US" sz="1400" dirty="0"/>
                       </a:br>
@@ -7557,6 +7648,10 @@
                         <a:rPr lang="en-US" sz="1400" i="1" dirty="0"/>
                         <a:t>we would go</a:t>
                       </a:r>
+                      <a:r>
+                        <a:rPr lang="en-US" sz="1400" dirty="0"/>
+                        <a:t/>
+                      </a:r>
                       <a:br>
                         <a:rPr lang="en-US" sz="1400" dirty="0"/>
                       </a:br>
@@ -7585,6 +7680,10 @@
                       <a:r>
                         <a:rPr lang="en-US" sz="1400" i="1" dirty="0"/>
                         <a:t>you would go</a:t>
+                      </a:r>
+                      <a:r>
+                        <a:rPr lang="en-US" sz="1400" dirty="0"/>
+                        <a:t/>
                       </a:r>
                       <a:br>
                         <a:rPr lang="en-US" sz="1400" dirty="0"/>
@@ -7642,6 +7741,10 @@
                         <a:rPr lang="en-US" sz="1400" b="1" dirty="0"/>
                         <a:t>Future</a:t>
                       </a:r>
+                      <a:r>
+                        <a:rPr lang="en-US" sz="1400" dirty="0"/>
+                        <a:t/>
+                      </a:r>
                       <a:br>
                         <a:rPr lang="en-US" sz="1400" dirty="0"/>
                       </a:br>
@@ -7659,6 +7762,10 @@
                         <a:rPr lang="en-US" sz="1400" i="1" dirty="0"/>
                         <a:t>I will go</a:t>
                       </a:r>
+                      <a:r>
+                        <a:rPr lang="en-US" sz="1400" dirty="0"/>
+                        <a:t/>
+                      </a:r>
                       <a:br>
                         <a:rPr lang="en-US" sz="1400" dirty="0"/>
                       </a:br>
@@ -7688,6 +7795,10 @@
                         <a:rPr lang="en-US" sz="1400" i="1" dirty="0"/>
                         <a:t>you will go</a:t>
                       </a:r>
+                      <a:r>
+                        <a:rPr lang="en-US" sz="1400" dirty="0"/>
+                        <a:t/>
+                      </a:r>
                       <a:br>
                         <a:rPr lang="en-US" sz="1400" dirty="0"/>
                       </a:br>
@@ -7717,6 +7828,10 @@
                         <a:rPr lang="en-US" sz="1400" i="1" dirty="0"/>
                         <a:t>he will go</a:t>
                       </a:r>
+                      <a:r>
+                        <a:rPr lang="en-US" sz="1400" dirty="0"/>
+                        <a:t/>
+                      </a:r>
                       <a:br>
                         <a:rPr lang="en-US" sz="1400" dirty="0"/>
                       </a:br>
@@ -7734,6 +7849,10 @@
                         <a:rPr lang="en-US" sz="1400" i="1" dirty="0"/>
                         <a:t>we will go</a:t>
                       </a:r>
+                      <a:r>
+                        <a:rPr lang="en-US" sz="1400" dirty="0"/>
+                        <a:t/>
+                      </a:r>
                       <a:br>
                         <a:rPr lang="en-US" sz="1400" dirty="0"/>
                       </a:br>
@@ -7762,6 +7881,10 @@
                       <a:r>
                         <a:rPr lang="en-US" sz="1400" i="1" dirty="0"/>
                         <a:t>you will go</a:t>
+                      </a:r>
+                      <a:r>
+                        <a:rPr lang="en-US" sz="1400" dirty="0"/>
+                        <a:t/>
                       </a:r>
                       <a:br>
                         <a:rPr lang="en-US" sz="1400" dirty="0"/>
@@ -7819,6 +7942,10 @@
                         <a:rPr lang="en-US" sz="1400" b="1" i="1" dirty="0"/>
                         <a:t>Subjunctive</a:t>
                       </a:r>
+                      <a:r>
+                        <a:rPr lang="en-US" sz="1400" dirty="0"/>
+                        <a:t/>
+                      </a:r>
                       <a:br>
                         <a:rPr lang="en-US" sz="1400" dirty="0"/>
                       </a:br>
@@ -7848,6 +7975,10 @@
                         <a:rPr lang="en-US" sz="1400" i="1" dirty="0"/>
                         <a:t>that I go</a:t>
                       </a:r>
+                      <a:r>
+                        <a:rPr lang="en-US" sz="1400" dirty="0"/>
+                        <a:t/>
+                      </a:r>
                       <a:br>
                         <a:rPr lang="en-US" sz="1400" dirty="0"/>
                       </a:br>
@@ -7889,6 +8020,10 @@
                         <a:rPr lang="en-US" sz="1400" i="1" dirty="0"/>
                         <a:t>that you go</a:t>
                       </a:r>
+                      <a:r>
+                        <a:rPr lang="en-US" sz="1400" dirty="0"/>
+                        <a:t/>
+                      </a:r>
                       <a:br>
                         <a:rPr lang="en-US" sz="1400" dirty="0"/>
                       </a:br>
@@ -7918,6 +8053,10 @@
                         <a:rPr lang="en-US" sz="1400" i="1" dirty="0"/>
                         <a:t>that he go</a:t>
                       </a:r>
+                      <a:r>
+                        <a:rPr lang="en-US" sz="1400" dirty="0"/>
+                        <a:t/>
+                      </a:r>
                       <a:br>
                         <a:rPr lang="en-US" sz="1400" dirty="0"/>
                       </a:br>
@@ -7947,6 +8086,10 @@
                         <a:rPr lang="en-US" sz="1400" i="1" dirty="0"/>
                         <a:t>that we go</a:t>
                       </a:r>
+                      <a:r>
+                        <a:rPr lang="en-US" sz="1400" dirty="0"/>
+                        <a:t/>
+                      </a:r>
                       <a:br>
                         <a:rPr lang="en-US" sz="1400" dirty="0"/>
                       </a:br>
@@ -7987,6 +8130,10 @@
                       <a:r>
                         <a:rPr lang="en-US" sz="1400" i="1" dirty="0"/>
                         <a:t>that you go</a:t>
+                      </a:r>
+                      <a:r>
+                        <a:rPr lang="en-US" sz="1400" dirty="0"/>
+                        <a:t/>
                       </a:r>
                       <a:br>
                         <a:rPr lang="en-US" sz="1400" dirty="0"/>
@@ -8061,9 +8208,10 @@
           <a:lstStyle/>
           <a:p>
             <a:r>
-              <a:rPr lang="en-US" dirty="0"/>
+              <a:rPr lang="en-US" dirty="0" smtClean="0"/>
               <a:t>Verb Conjugation in French</a:t>
             </a:r>
+            <a:endParaRPr lang="en-US" dirty="0"/>
           </a:p>
         </p:txBody>
       </p:sp>
@@ -8077,6 +8225,21 @@
   <p:clrMapOvr>
     <a:masterClrMapping/>
   </p:clrMapOvr>
+  <mc:AlternateContent xmlns:mc="http://schemas.openxmlformats.org/markup-compatibility/2006" xmlns:p14="http://schemas.microsoft.com/office/powerpoint/2010/main">
+    <mc:Choice Requires="p14">
+      <p:transition spd="slow" p14:dur="2000"/>
+    </mc:Choice>
+    <mc:Fallback xmlns="">
+      <p:transition spd="slow"/>
+    </mc:Fallback>
+  </mc:AlternateContent>
+  <p:timing>
+    <p:tnLst>
+      <p:par>
+        <p:cTn id="1" dur="indefinite" restart="never" nodeType="tmRoot"/>
+      </p:par>
+    </p:tnLst>
+  </p:timing>
 </p:sld>
 </file>
 
@@ -8113,7 +8276,7 @@
           <a:lstStyle/>
           <a:p>
             <a:r>
-              <a:rPr lang="en-US" altLang="en-US" dirty="0"/>
+              <a:rPr lang="en-US" altLang="en-US" dirty="0" smtClean="0"/>
               <a:t>Other Parts of Speech</a:t>
             </a:r>
           </a:p>
@@ -8147,7 +8310,7 @@
               </a:lnSpc>
             </a:pPr>
             <a:r>
-              <a:rPr lang="en-US" altLang="en-US" dirty="0"/>
+              <a:rPr lang="en-US" altLang="en-US" dirty="0" smtClean="0"/>
               <a:t>Adverbs</a:t>
             </a:r>
           </a:p>
@@ -8158,7 +8321,7 @@
               </a:lnSpc>
             </a:pPr>
             <a:r>
-              <a:rPr lang="en-US" altLang="en-US" dirty="0"/>
+              <a:rPr lang="en-US" altLang="en-US" dirty="0" smtClean="0"/>
               <a:t>happily, here, never</a:t>
             </a:r>
           </a:p>
@@ -8169,7 +8332,7 @@
               </a:lnSpc>
             </a:pPr>
             <a:r>
-              <a:rPr lang="en-US" altLang="en-US" dirty="0"/>
+              <a:rPr lang="en-US" altLang="en-US" dirty="0" smtClean="0"/>
               <a:t>Prepositions</a:t>
             </a:r>
           </a:p>
@@ -8180,7 +8343,7 @@
               </a:lnSpc>
             </a:pPr>
             <a:r>
-              <a:rPr lang="en-US" altLang="en-US" dirty="0"/>
+              <a:rPr lang="en-US" altLang="en-US" dirty="0" smtClean="0"/>
               <a:t>of, through, in</a:t>
             </a:r>
           </a:p>
@@ -8192,7 +8355,11 @@
             </a:pPr>
             <a:r>
               <a:rPr lang="en-US" altLang="en-US" dirty="0"/>
-              <a:t>Particles</a:t>
+              <a:t>P</a:t>
+            </a:r>
+            <a:r>
+              <a:rPr lang="en-US" altLang="en-US" dirty="0" smtClean="0"/>
+              <a:t>articles</a:t>
             </a:r>
           </a:p>
           <a:p>
@@ -8202,7 +8369,7 @@
               </a:lnSpc>
             </a:pPr>
             <a:r>
-              <a:rPr lang="en-US" altLang="en-US" dirty="0"/>
+              <a:rPr lang="en-US" altLang="en-US" dirty="0" smtClean="0"/>
               <a:t>Phrasal verbs</a:t>
             </a:r>
           </a:p>
@@ -8213,7 +8380,7 @@
               </a:lnSpc>
             </a:pPr>
             <a:r>
-              <a:rPr lang="en-US" altLang="en-US" dirty="0"/>
+              <a:rPr lang="en-US" altLang="en-US" dirty="0" smtClean="0"/>
               <a:t>the plane took off, take it off</a:t>
             </a:r>
           </a:p>
@@ -8225,7 +8392,11 @@
             </a:pPr>
             <a:r>
               <a:rPr lang="en-US" altLang="en-US" dirty="0"/>
-              <a:t>Particles vs. prepositions</a:t>
+              <a:t>P</a:t>
+            </a:r>
+            <a:r>
+              <a:rPr lang="en-US" altLang="en-US" dirty="0" smtClean="0"/>
+              <a:t>articles vs. prepositions</a:t>
             </a:r>
           </a:p>
           <a:p>
@@ -8235,10 +8406,10 @@
               </a:lnSpc>
             </a:pPr>
             <a:r>
-              <a:rPr lang="en-US" altLang="en-US" i="1" dirty="0"/>
+              <a:rPr lang="en-US" altLang="en-US" i="1" dirty="0" smtClean="0"/>
               <a:t>She ran up a bill/hill</a:t>
             </a:r>
-            <a:endParaRPr lang="en-US" altLang="en-US" dirty="0"/>
+            <a:endParaRPr lang="en-US" altLang="en-US" dirty="0" smtClean="0"/>
           </a:p>
         </p:txBody>
       </p:sp>
@@ -8762,7 +8933,7 @@
           <a:lstStyle/>
           <a:p>
             <a:r>
-              <a:rPr lang="en-US" altLang="en-US" dirty="0"/>
+              <a:rPr lang="en-US" altLang="en-US" dirty="0" smtClean="0"/>
               <a:t>Other Parts of Speech</a:t>
             </a:r>
           </a:p>
@@ -8796,7 +8967,7 @@
               </a:lnSpc>
             </a:pPr>
             <a:r>
-              <a:rPr lang="en-US" altLang="en-US" dirty="0"/>
+              <a:rPr lang="en-US" altLang="en-US" dirty="0" smtClean="0"/>
               <a:t>Coordinating conjunctions</a:t>
             </a:r>
           </a:p>
@@ -8807,7 +8978,7 @@
               </a:lnSpc>
             </a:pPr>
             <a:r>
-              <a:rPr lang="en-US" altLang="en-US" i="1" dirty="0"/>
+              <a:rPr lang="en-US" altLang="en-US" i="1" dirty="0" smtClean="0"/>
               <a:t>and, or, but</a:t>
             </a:r>
           </a:p>
@@ -8818,7 +8989,7 @@
               </a:lnSpc>
             </a:pPr>
             <a:r>
-              <a:rPr lang="en-US" altLang="en-US" dirty="0"/>
+              <a:rPr lang="en-US" altLang="en-US" dirty="0" smtClean="0"/>
               <a:t>Subordinating conjunctions</a:t>
             </a:r>
           </a:p>
@@ -8829,10 +9000,10 @@
               </a:lnSpc>
             </a:pPr>
             <a:r>
-              <a:rPr lang="en-US" altLang="en-US" i="1" dirty="0"/>
+              <a:rPr lang="en-US" altLang="en-US" i="1" dirty="0" smtClean="0"/>
               <a:t>if, because, that, although</a:t>
             </a:r>
-            <a:endParaRPr lang="en-US" altLang="en-US" dirty="0"/>
+            <a:endParaRPr lang="en-US" altLang="en-US" dirty="0" smtClean="0"/>
           </a:p>
           <a:p>
             <a:pPr>
@@ -8841,7 +9012,7 @@
               </a:lnSpc>
             </a:pPr>
             <a:r>
-              <a:rPr lang="en-US" altLang="en-US" dirty="0"/>
+              <a:rPr lang="en-US" altLang="en-US" dirty="0" smtClean="0"/>
               <a:t>Interjections</a:t>
             </a:r>
           </a:p>
@@ -8852,11 +9023,11 @@
               </a:lnSpc>
             </a:pPr>
             <a:r>
-              <a:rPr lang="en-US" altLang="en-US" i="1" dirty="0"/>
+              <a:rPr lang="en-US" altLang="en-US" i="1" dirty="0" smtClean="0"/>
               <a:t>Ouch</a:t>
             </a:r>
             <a:r>
-              <a:rPr lang="en-US" altLang="en-US" dirty="0"/>
+              <a:rPr lang="en-US" altLang="en-US" dirty="0" smtClean="0"/>
               <a:t>!</a:t>
             </a:r>
           </a:p>
@@ -9235,7 +9406,7 @@
           <a:lstStyle/>
           <a:p>
             <a:r>
-              <a:rPr lang="en-US" altLang="en-US" dirty="0"/>
+              <a:rPr lang="en-US" altLang="en-US" dirty="0" smtClean="0"/>
               <a:t>Sample Part of Speech Tags</a:t>
             </a:r>
           </a:p>
@@ -9633,6 +9804,14 @@
   <p:clrMapOvr>
     <a:masterClrMapping/>
   </p:clrMapOvr>
+  <mc:AlternateContent xmlns:mc="http://schemas.openxmlformats.org/markup-compatibility/2006" xmlns:p14="http://schemas.microsoft.com/office/powerpoint/2010/main">
+    <mc:Choice Requires="p14">
+      <p:transition spd="slow" p14:dur="2000"/>
+    </mc:Choice>
+    <mc:Fallback xmlns="">
+      <p:transition spd="slow"/>
+    </mc:Fallback>
+  </mc:AlternateContent>
   <p:timing>
     <p:tnLst>
       <p:par>
@@ -9752,11 +9931,14 @@
           <a:lstStyle/>
           <a:p>
             <a:r>
-              <a:rPr lang="en-US" sz="18000" dirty="0">
+              <a:rPr lang="en-US" sz="18000" dirty="0" smtClean="0">
                 <a:latin typeface="Rockwell Extra Bold" panose="02060903040505020403" pitchFamily="18" charset="0"/>
               </a:rPr>
               <a:t>NLP</a:t>
             </a:r>
+            <a:endParaRPr lang="en-US" sz="18000" dirty="0">
+              <a:latin typeface="Rockwell Extra Bold" panose="02060903040505020403" pitchFamily="18" charset="0"/>
+            </a:endParaRPr>
           </a:p>
         </p:txBody>
       </p:sp>
@@ -9770,6 +9952,13 @@
   <p:clrMapOvr>
     <a:masterClrMapping/>
   </p:clrMapOvr>
+  <p:timing>
+    <p:tnLst>
+      <p:par>
+        <p:cTn id="1" dur="indefinite" restart="never" nodeType="tmRoot"/>
+      </p:par>
+    </p:tnLst>
+  </p:timing>
 </p:sld>
 </file>
 
@@ -9806,9 +9995,10 @@
           <a:lstStyle/>
           <a:p>
             <a:r>
-              <a:rPr lang="en-US" dirty="0"/>
+              <a:rPr lang="en-US" dirty="0" smtClean="0"/>
               <a:t>Introduction to NLP</a:t>
             </a:r>
+            <a:endParaRPr lang="en-US" dirty="0"/>
           </a:p>
         </p:txBody>
       </p:sp>
@@ -9828,9 +10018,10 @@
           <a:lstStyle/>
           <a:p>
             <a:r>
-              <a:rPr lang="en-US" dirty="0"/>
+              <a:rPr lang="en-US" dirty="0" smtClean="0"/>
               <a:t>Parts of speech</a:t>
             </a:r>
+            <a:endParaRPr lang="en-US" dirty="0"/>
           </a:p>
         </p:txBody>
       </p:sp>
@@ -9844,6 +10035,13 @@
   <p:clrMapOvr>
     <a:masterClrMapping/>
   </p:clrMapOvr>
+  <p:timing>
+    <p:tnLst>
+      <p:par>
+        <p:cTn id="1" dur="indefinite" restart="never" nodeType="tmRoot"/>
+      </p:par>
+    </p:tnLst>
+  </p:timing>
 </p:sld>
 </file>
 
@@ -9881,7 +10079,7 @@
           <a:p>
             <a:pPr eaLnBrk="1" hangingPunct="1"/>
             <a:r>
-              <a:rPr lang="en-US" altLang="en-US"/>
+              <a:rPr lang="en-US" altLang="en-US" smtClean="0"/>
               <a:t>Syntactic categories</a:t>
             </a:r>
           </a:p>
@@ -9915,7 +10113,7 @@
               </a:lnSpc>
             </a:pPr>
             <a:r>
-              <a:rPr lang="en-US" altLang="en-US" dirty="0"/>
+              <a:rPr lang="en-US" altLang="en-US" dirty="0" smtClean="0"/>
               <a:t>Substitution test:</a:t>
             </a:r>
           </a:p>
@@ -10277,7 +10475,7 @@
               <a:buNone/>
             </a:pPr>
             <a:r>
-              <a:rPr lang="en-US" altLang="en-US" sz="2000" i="1" dirty="0"/>
+              <a:rPr lang="en-US" altLang="en-US" sz="2000" i="1" dirty="0" smtClean="0"/>
               <a:t>twerk</a:t>
             </a:r>
             <a:endParaRPr lang="en-US" altLang="en-US" sz="2000" dirty="0"/>
@@ -11900,7 +12098,7 @@
           <a:lstStyle/>
           <a:p>
             <a:r>
-              <a:rPr lang="en-US" altLang="en-US"/>
+              <a:rPr lang="en-US" altLang="en-US" smtClean="0"/>
               <a:t>Example</a:t>
             </a:r>
           </a:p>
@@ -11934,7 +12132,7 @@
               </a:lnSpc>
             </a:pPr>
             <a:r>
-              <a:rPr lang="en-US" altLang="en-US" sz="2800" dirty="0"/>
+              <a:rPr lang="en-US" altLang="en-US" sz="2800" dirty="0" smtClean="0"/>
               <a:t>Parts of speech</a:t>
             </a:r>
           </a:p>
@@ -11945,7 +12143,7 @@
               </a:lnSpc>
             </a:pPr>
             <a:r>
-              <a:rPr lang="en-US" altLang="en-US" sz="2300" dirty="0"/>
+              <a:rPr lang="en-US" altLang="en-US" sz="2300" dirty="0" smtClean="0"/>
               <a:t>eight (or so) general types</a:t>
             </a:r>
           </a:p>
@@ -11956,7 +12154,7 @@
               </a:lnSpc>
             </a:pPr>
             <a:r>
-              <a:rPr lang="en-US" altLang="en-US" sz="2300" dirty="0"/>
+              <a:rPr lang="en-US" altLang="en-US" sz="2300" dirty="0" smtClean="0"/>
               <a:t>nouns, verbs, adjectives…</a:t>
             </a:r>
           </a:p>
@@ -11966,7 +12164,7 @@
                 <a:spcPct val="90000"/>
               </a:lnSpc>
             </a:pPr>
-            <a:endParaRPr lang="en-US" altLang="en-US" sz="2800" dirty="0"/>
+            <a:endParaRPr lang="en-US" altLang="en-US" sz="2800" dirty="0" smtClean="0"/>
           </a:p>
         </p:txBody>
       </p:sp>
@@ -12386,7 +12584,7 @@
           <a:lstStyle/>
           <a:p>
             <a:r>
-              <a:rPr lang="en-US" altLang="en-US"/>
+              <a:rPr lang="en-US" altLang="en-US" smtClean="0"/>
               <a:t>Nouns</a:t>
             </a:r>
           </a:p>
@@ -12415,71 +12613,71 @@
           <a:lstStyle/>
           <a:p>
             <a:r>
-              <a:rPr lang="en-US" altLang="en-US" dirty="0"/>
+              <a:rPr lang="en-US" altLang="en-US" dirty="0" smtClean="0"/>
               <a:t>Examples</a:t>
             </a:r>
           </a:p>
           <a:p>
             <a:pPr lvl="1"/>
             <a:r>
-              <a:rPr lang="en-US" altLang="en-US" i="1" dirty="0"/>
+              <a:rPr lang="en-US" altLang="en-US" i="1" dirty="0" smtClean="0"/>
               <a:t>dog, tree, computer, idea</a:t>
             </a:r>
-            <a:endParaRPr lang="en-US" altLang="en-US" dirty="0"/>
-          </a:p>
-          <a:p>
-            <a:r>
-              <a:rPr lang="en-US" altLang="en-US" dirty="0"/>
+            <a:endParaRPr lang="en-US" altLang="en-US" dirty="0" smtClean="0"/>
+          </a:p>
+          <a:p>
+            <a:r>
+              <a:rPr lang="en-US" altLang="en-US" dirty="0" smtClean="0"/>
               <a:t>Nouns vary in </a:t>
             </a:r>
           </a:p>
           <a:p>
             <a:pPr lvl="1"/>
             <a:r>
-              <a:rPr lang="en-US" altLang="en-US" dirty="0"/>
+              <a:rPr lang="en-US" altLang="en-US" dirty="0" smtClean="0"/>
               <a:t>number (singular, plural)</a:t>
             </a:r>
           </a:p>
           <a:p>
             <a:pPr lvl="1"/>
             <a:r>
-              <a:rPr lang="en-US" altLang="en-US" dirty="0"/>
+              <a:rPr lang="en-US" altLang="en-US" dirty="0" smtClean="0"/>
               <a:t>gender (masculine, feminine, neuter)</a:t>
             </a:r>
           </a:p>
           <a:p>
             <a:pPr lvl="1"/>
             <a:r>
-              <a:rPr lang="en-US" altLang="en-US" dirty="0"/>
+              <a:rPr lang="en-US" altLang="en-US" dirty="0" smtClean="0"/>
               <a:t>case (nominative, genitive, accusative, dative)</a:t>
             </a:r>
           </a:p>
           <a:p>
             <a:r>
-              <a:rPr lang="en-US" altLang="en-US" dirty="0"/>
+              <a:rPr lang="en-US" altLang="en-US" dirty="0" smtClean="0"/>
               <a:t>Case example in Latin</a:t>
             </a:r>
           </a:p>
           <a:p>
             <a:pPr lvl="1"/>
             <a:r>
-              <a:rPr lang="en-US" altLang="en-US" i="1" dirty="0"/>
+              <a:rPr lang="en-US" altLang="en-US" i="1" dirty="0" smtClean="0"/>
               <a:t>Singular: </a:t>
             </a:r>
             <a:r>
-              <a:rPr lang="en-US" altLang="en-US" i="1" dirty="0" err="1"/>
+              <a:rPr lang="en-US" altLang="en-US" i="1" dirty="0" err="1" smtClean="0"/>
               <a:t>puer</a:t>
             </a:r>
             <a:r>
-              <a:rPr lang="en-US" altLang="en-US" i="1" dirty="0"/>
+              <a:rPr lang="en-US" altLang="en-US" i="1" dirty="0" smtClean="0"/>
               <a:t> (nominative), </a:t>
             </a:r>
             <a:r>
-              <a:rPr lang="en-US" altLang="en-US" i="1" dirty="0" err="1"/>
+              <a:rPr lang="en-US" altLang="en-US" i="1" dirty="0" err="1" smtClean="0"/>
               <a:t>puerum</a:t>
             </a:r>
             <a:r>
-              <a:rPr lang="en-US" altLang="en-US" i="1" dirty="0"/>
+              <a:rPr lang="en-US" altLang="en-US" i="1" dirty="0" smtClean="0"/>
               <a:t> (accusative), </a:t>
             </a:r>
             <a:r>
@@ -12488,13 +12686,17 @@
             </a:r>
             <a:r>
               <a:rPr lang="en-US" altLang="en-US" i="1" dirty="0"/>
-              <a:t> (genitive)</a:t>
+              <a:t> </a:t>
+            </a:r>
+            <a:r>
+              <a:rPr lang="en-US" altLang="en-US" i="1" dirty="0" smtClean="0"/>
+              <a:t>(genitive)</a:t>
             </a:r>
           </a:p>
           <a:p>
             <a:pPr lvl="1"/>
             <a:r>
-              <a:rPr lang="en-US" altLang="en-US" i="1" dirty="0"/>
+              <a:rPr lang="en-US" altLang="en-US" i="1" dirty="0" smtClean="0"/>
               <a:t>Plural: </a:t>
             </a:r>
             <a:r>
@@ -12503,50 +12705,62 @@
             </a:r>
             <a:r>
               <a:rPr lang="en-US" altLang="en-US" i="1" dirty="0"/>
-              <a:t> (nominative), </a:t>
-            </a:r>
-            <a:r>
-              <a:rPr lang="en-US" altLang="en-US" i="1" dirty="0" err="1"/>
+              <a:t> </a:t>
+            </a:r>
+            <a:r>
+              <a:rPr lang="en-US" altLang="en-US" i="1" dirty="0" smtClean="0"/>
+              <a:t>(</a:t>
+            </a:r>
+            <a:r>
+              <a:rPr lang="en-US" altLang="en-US" i="1" dirty="0"/>
+              <a:t>nominative), </a:t>
+            </a:r>
+            <a:r>
+              <a:rPr lang="en-US" altLang="en-US" i="1" dirty="0" err="1" smtClean="0"/>
               <a:t>puerōs</a:t>
             </a:r>
             <a:r>
+              <a:rPr lang="en-US" altLang="en-US" i="1" dirty="0" smtClean="0"/>
+              <a:t> </a:t>
+            </a:r>
+            <a:r>
               <a:rPr lang="en-US" altLang="en-US" i="1" dirty="0"/>
-              <a:t> (accusative), </a:t>
-            </a:r>
-            <a:r>
-              <a:rPr lang="en-US" altLang="en-US" i="1" dirty="0" err="1"/>
+              <a:t>(accusative), </a:t>
+            </a:r>
+            <a:r>
+              <a:rPr lang="en-US" altLang="en-US" i="1" dirty="0" err="1" smtClean="0"/>
               <a:t>puerōrum</a:t>
             </a:r>
             <a:r>
-              <a:rPr lang="en-US" altLang="en-US" i="1" dirty="0"/>
+              <a:rPr lang="en-US" altLang="en-US" i="1" dirty="0" smtClean="0"/>
               <a:t> (genitive)</a:t>
             </a:r>
-            <a:endParaRPr lang="en-US" altLang="en-US" dirty="0"/>
-          </a:p>
-          <a:p>
-            <a:r>
-              <a:rPr lang="en-US" altLang="en-US" dirty="0"/>
+            <a:endParaRPr lang="en-US" altLang="en-US" dirty="0" smtClean="0"/>
+          </a:p>
+          <a:p>
+            <a:r>
+              <a:rPr lang="en-US" altLang="en-US" dirty="0" smtClean="0"/>
               <a:t>Gender example in German</a:t>
             </a:r>
           </a:p>
           <a:p>
             <a:pPr lvl="1"/>
             <a:r>
-              <a:rPr lang="en-US" altLang="en-US" i="1" dirty="0" err="1"/>
+              <a:rPr lang="en-US" altLang="en-US" i="1" dirty="0" err="1" smtClean="0"/>
               <a:t>Mädchen</a:t>
             </a:r>
             <a:r>
-              <a:rPr lang="en-US" altLang="en-US" i="1" dirty="0"/>
+              <a:rPr lang="en-US" altLang="en-US" i="1" dirty="0" smtClean="0"/>
               <a:t> </a:t>
             </a:r>
             <a:r>
-              <a:rPr lang="en-US" altLang="en-US" dirty="0"/>
+              <a:rPr lang="en-US" altLang="en-US" dirty="0" smtClean="0"/>
               <a:t>(neuter gender)</a:t>
             </a:r>
-            <a:endParaRPr lang="en-US" altLang="en-US" i="1" dirty="0"/>
-          </a:p>
-          <a:p>
-            <a:endParaRPr lang="en-US" altLang="en-US" dirty="0"/>
+            <a:endParaRPr lang="en-US" altLang="en-US" i="1" dirty="0" smtClean="0"/>
+          </a:p>
+          <a:p>
+            <a:endParaRPr lang="en-US" altLang="en-US" dirty="0" smtClean="0"/>
           </a:p>
         </p:txBody>
       </p:sp>
@@ -13168,7 +13382,7 @@
           <a:lstStyle/>
           <a:p>
             <a:r>
-              <a:rPr lang="en-US" altLang="en-US" dirty="0"/>
+              <a:rPr lang="en-US" altLang="en-US" dirty="0" smtClean="0"/>
               <a:t>Jabberwocky (Lewis Carroll)</a:t>
             </a:r>
           </a:p>
@@ -13195,9 +13409,10 @@
           <a:lstStyle/>
           <a:p>
             <a:r>
-              <a:rPr lang="en-US" dirty="0"/>
+              <a:rPr lang="en-US" dirty="0" smtClean="0"/>
               <a:t>What are the parts of speech for the words in bold?</a:t>
             </a:r>
+            <a:endParaRPr lang="en-US" dirty="0"/>
           </a:p>
         </p:txBody>
       </p:sp>
@@ -13224,8 +13439,32 @@
           <a:lstStyle/>
           <a:p>
             <a:r>
-              <a:rPr lang="en-US" altLang="en-US" dirty="0" err="1"/>
+              <a:rPr lang="en-US" altLang="en-US" dirty="0" err="1" smtClean="0"/>
               <a:t>'Twas</a:t>
+            </a:r>
+            <a:r>
+              <a:rPr lang="en-US" altLang="en-US" dirty="0" smtClean="0"/>
+              <a:t> </a:t>
+            </a:r>
+            <a:r>
+              <a:rPr lang="en-US" altLang="en-US" b="1" dirty="0" err="1"/>
+              <a:t>brillig</a:t>
+            </a:r>
+            <a:r>
+              <a:rPr lang="en-US" altLang="en-US" dirty="0"/>
+              <a:t>, </a:t>
+            </a:r>
+            <a:r>
+              <a:rPr lang="en-US" altLang="en-US" dirty="0" smtClean="0"/>
+              <a:t>and </a:t>
+            </a:r>
+            <a:r>
+              <a:rPr lang="en-US" altLang="en-US" dirty="0"/>
+              <a:t>the </a:t>
+            </a:r>
+            <a:r>
+              <a:rPr lang="en-US" altLang="en-US" b="1" dirty="0" err="1"/>
+              <a:t>slithy</a:t>
             </a:r>
             <a:r>
               <a:rPr lang="en-US" altLang="en-US" dirty="0"/>
@@ -13233,23 +13472,11 @@
             </a:r>
             <a:r>
               <a:rPr lang="en-US" altLang="en-US" b="1" dirty="0" err="1"/>
-              <a:t>brillig</a:t>
+              <a:t>toves</a:t>
             </a:r>
             <a:r>
               <a:rPr lang="en-US" altLang="en-US" dirty="0"/>
-              <a:t>, and the </a:t>
-            </a:r>
-            <a:r>
-              <a:rPr lang="en-US" altLang="en-US" b="1" dirty="0" err="1"/>
-              <a:t>slithy</a:t>
-            </a:r>
-            <a:r>
-              <a:rPr lang="en-US" altLang="en-US" dirty="0"/>
-              <a:t> </a:t>
-            </a:r>
-            <a:r>
-              <a:rPr lang="en-US" altLang="en-US" b="1" dirty="0" err="1"/>
-              <a:t>toves</a:t>
+              <a:t/>
             </a:r>
             <a:br>
               <a:rPr lang="en-US" altLang="en-US" dirty="0"/>
@@ -13509,7 +13736,7 @@
           <a:lstStyle/>
           <a:p>
             <a:r>
-              <a:rPr lang="en-US" altLang="en-US" dirty="0"/>
+              <a:rPr lang="en-US" altLang="en-US" dirty="0" smtClean="0"/>
               <a:t>Answers</a:t>
             </a:r>
           </a:p>
@@ -13538,8 +13765,24 @@
           <a:lstStyle/>
           <a:p>
             <a:r>
-              <a:rPr lang="en-US" altLang="en-US" dirty="0" err="1"/>
+              <a:rPr lang="en-US" altLang="en-US" dirty="0" err="1" smtClean="0"/>
               <a:t>'Twas</a:t>
+            </a:r>
+            <a:r>
+              <a:rPr lang="en-US" altLang="en-US" dirty="0" smtClean="0"/>
+              <a:t> </a:t>
+            </a:r>
+            <a:r>
+              <a:rPr lang="en-US" altLang="en-US" b="1" dirty="0" err="1"/>
+              <a:t>brillig</a:t>
+            </a:r>
+            <a:r>
+              <a:rPr lang="en-US" altLang="en-US" dirty="0"/>
+              <a:t>, and the </a:t>
+            </a:r>
+            <a:r>
+              <a:rPr lang="en-US" altLang="en-US" b="1" dirty="0" err="1"/>
+              <a:t>slithy</a:t>
             </a:r>
             <a:r>
               <a:rPr lang="en-US" altLang="en-US" dirty="0"/>
@@ -13547,23 +13790,11 @@
             </a:r>
             <a:r>
               <a:rPr lang="en-US" altLang="en-US" b="1" dirty="0" err="1"/>
-              <a:t>brillig</a:t>
+              <a:t>toves</a:t>
             </a:r>
             <a:r>
               <a:rPr lang="en-US" altLang="en-US" dirty="0"/>
-              <a:t>, and the </a:t>
-            </a:r>
-            <a:r>
-              <a:rPr lang="en-US" altLang="en-US" b="1" dirty="0" err="1"/>
-              <a:t>slithy</a:t>
-            </a:r>
-            <a:r>
-              <a:rPr lang="en-US" altLang="en-US" dirty="0"/>
-              <a:t> </a:t>
-            </a:r>
-            <a:r>
-              <a:rPr lang="en-US" altLang="en-US" b="1" dirty="0" err="1"/>
-              <a:t>toves</a:t>
+              <a:t/>
             </a:r>
             <a:br>
               <a:rPr lang="en-US" altLang="en-US" dirty="0"/>
@@ -13672,81 +13903,83 @@
           <a:lstStyle/>
           <a:p>
             <a:r>
-              <a:rPr lang="en-US" sz="1800" dirty="0" err="1"/>
+              <a:rPr lang="en-US" sz="1800" dirty="0" err="1" smtClean="0"/>
               <a:t>Wabe</a:t>
             </a:r>
             <a:r>
-              <a:rPr lang="en-US" sz="1800" dirty="0"/>
+              <a:rPr lang="en-US" sz="1800" dirty="0" smtClean="0"/>
               <a:t>, </a:t>
             </a:r>
             <a:r>
-              <a:rPr lang="en-US" sz="1800" dirty="0" err="1"/>
+              <a:rPr lang="en-US" sz="1800" dirty="0" err="1" smtClean="0"/>
               <a:t>borogoves</a:t>
             </a:r>
             <a:r>
-              <a:rPr lang="en-US" sz="1800" dirty="0"/>
+              <a:rPr lang="en-US" sz="1800" dirty="0" smtClean="0"/>
               <a:t> </a:t>
             </a:r>
+            <a:endParaRPr lang="en-US" sz="1800" dirty="0"/>
           </a:p>
           <a:p>
             <a:pPr lvl="1"/>
             <a:r>
-              <a:rPr lang="en-US" sz="1400" dirty="0"/>
+              <a:rPr lang="en-US" sz="1400" dirty="0" smtClean="0"/>
               <a:t>Nouns (after “the”)</a:t>
             </a:r>
-          </a:p>
-          <a:p>
-            <a:r>
-              <a:rPr lang="en-US" sz="1800" dirty="0" err="1"/>
+            <a:endParaRPr lang="en-US" sz="1400" dirty="0"/>
+          </a:p>
+          <a:p>
+            <a:r>
+              <a:rPr lang="en-US" sz="1800" dirty="0" err="1" smtClean="0"/>
               <a:t>brillig</a:t>
             </a:r>
             <a:r>
-              <a:rPr lang="en-US" sz="1800" dirty="0"/>
+              <a:rPr lang="en-US" sz="1800" dirty="0" smtClean="0"/>
               <a:t> </a:t>
             </a:r>
           </a:p>
           <a:p>
             <a:pPr lvl="1"/>
             <a:r>
-              <a:rPr lang="en-US" sz="1400" dirty="0"/>
+              <a:rPr lang="en-US" sz="1400" dirty="0" smtClean="0"/>
               <a:t>adjective?</a:t>
             </a:r>
           </a:p>
           <a:p>
             <a:pPr lvl="1"/>
             <a:r>
-              <a:rPr lang="en-US" sz="1400" dirty="0"/>
+              <a:rPr lang="en-US" sz="1400" dirty="0" smtClean="0"/>
               <a:t>noun?  (“noon”)</a:t>
             </a:r>
           </a:p>
           <a:p>
             <a:r>
-              <a:rPr lang="en-US" sz="1800" dirty="0" err="1"/>
+              <a:rPr lang="en-US" sz="1800" dirty="0" err="1" smtClean="0"/>
               <a:t>mimsy</a:t>
             </a:r>
             <a:r>
-              <a:rPr lang="en-US" sz="1800" dirty="0"/>
+              <a:rPr lang="en-US" sz="1800" dirty="0" smtClean="0"/>
               <a:t> </a:t>
             </a:r>
           </a:p>
           <a:p>
             <a:pPr lvl="1"/>
             <a:r>
-              <a:rPr lang="en-US" sz="1400" dirty="0"/>
+              <a:rPr lang="en-US" sz="1400" dirty="0" smtClean="0"/>
               <a:t>adjective</a:t>
             </a:r>
           </a:p>
           <a:p>
             <a:r>
-              <a:rPr lang="en-US" sz="1800" dirty="0" err="1"/>
+              <a:rPr lang="en-US" sz="1800" dirty="0" err="1" smtClean="0"/>
               <a:t>slighty</a:t>
             </a:r>
             <a:r>
-              <a:rPr lang="en-US" sz="1800" dirty="0"/>
+              <a:rPr lang="en-US" sz="1800" dirty="0" smtClean="0"/>
               <a:t> </a:t>
             </a:r>
             <a:r>
-              <a:rPr lang="en-US" sz="1800" dirty="0" err="1"/>
+              <a:rPr lang="en-US" sz="1800" dirty="0" err="1" smtClean="0"/>
               <a:t>toves</a:t>
             </a:r>
             <a:endParaRPr lang="en-US" sz="1800" dirty="0"/>
@@ -13754,67 +13987,67 @@
           <a:p>
             <a:pPr lvl="1"/>
             <a:r>
-              <a:rPr lang="en-US" sz="1400" dirty="0" err="1"/>
+              <a:rPr lang="en-US" sz="1400" dirty="0" err="1" smtClean="0"/>
               <a:t>adjective+noun</a:t>
             </a:r>
             <a:r>
-              <a:rPr lang="en-US" sz="1400" dirty="0"/>
+              <a:rPr lang="en-US" sz="1400" dirty="0" smtClean="0"/>
               <a:t>?</a:t>
             </a:r>
           </a:p>
           <a:p>
             <a:pPr lvl="1"/>
             <a:r>
-              <a:rPr lang="en-US" sz="1400" dirty="0" err="1"/>
+              <a:rPr lang="en-US" sz="1400" dirty="0" err="1" smtClean="0"/>
               <a:t>noun+verb</a:t>
             </a:r>
             <a:r>
-              <a:rPr lang="en-US" sz="1400" dirty="0"/>
+              <a:rPr lang="en-US" sz="1400" dirty="0" smtClean="0"/>
               <a:t>? (“the bell tolls”)</a:t>
             </a:r>
           </a:p>
           <a:p>
             <a:r>
-              <a:rPr lang="en-US" sz="1800" dirty="0" err="1"/>
+              <a:rPr lang="en-US" sz="1800" dirty="0" err="1" smtClean="0"/>
               <a:t>mome</a:t>
             </a:r>
             <a:r>
-              <a:rPr lang="en-US" sz="1800" dirty="0"/>
+              <a:rPr lang="en-US" sz="1800" dirty="0" smtClean="0"/>
               <a:t> </a:t>
             </a:r>
             <a:r>
-              <a:rPr lang="en-US" sz="1800" dirty="0" err="1"/>
+              <a:rPr lang="en-US" sz="1800" dirty="0" err="1" smtClean="0"/>
               <a:t>raths</a:t>
             </a:r>
             <a:r>
-              <a:rPr lang="en-US" sz="1800" dirty="0"/>
+              <a:rPr lang="en-US" sz="1800" dirty="0" smtClean="0"/>
               <a:t> </a:t>
             </a:r>
             <a:r>
-              <a:rPr lang="en-US" sz="1800" dirty="0" err="1"/>
+              <a:rPr lang="en-US" sz="1800" dirty="0" err="1" smtClean="0"/>
               <a:t>outgrabe</a:t>
             </a:r>
-            <a:endParaRPr lang="en-US" sz="1800" dirty="0"/>
+            <a:endParaRPr lang="en-US" sz="1800" dirty="0" smtClean="0"/>
           </a:p>
           <a:p>
             <a:pPr lvl="1"/>
             <a:r>
-              <a:rPr lang="en-US" sz="1400" dirty="0" err="1"/>
+              <a:rPr lang="en-US" sz="1400" dirty="0" err="1" smtClean="0"/>
               <a:t>Adjective+noun+verb</a:t>
             </a:r>
             <a:r>
-              <a:rPr lang="en-US" sz="1400" dirty="0"/>
+              <a:rPr lang="en-US" sz="1400" dirty="0" smtClean="0"/>
               <a:t>?</a:t>
             </a:r>
           </a:p>
           <a:p>
             <a:pPr lvl="1"/>
             <a:r>
-              <a:rPr lang="en-US" sz="1400" dirty="0" err="1"/>
+              <a:rPr lang="en-US" sz="1400" dirty="0" err="1" smtClean="0"/>
               <a:t>Noun+verb+adverb</a:t>
             </a:r>
             <a:r>
-              <a:rPr lang="en-US" sz="1400" dirty="0"/>
+              <a:rPr lang="en-US" sz="1400" dirty="0" smtClean="0"/>
               <a:t>? (“birds fly outside”)</a:t>
             </a:r>
           </a:p>
@@ -14586,9 +14819,10 @@
           <a:lstStyle/>
           <a:p>
             <a:r>
-              <a:rPr lang="en-US" dirty="0"/>
+              <a:rPr lang="en-US" dirty="0" smtClean="0"/>
               <a:t>Why is this an Important Example?</a:t>
             </a:r>
+            <a:endParaRPr lang="en-US" dirty="0"/>
           </a:p>
         </p:txBody>
       </p:sp>
@@ -14613,33 +14847,34 @@
           <a:lstStyle/>
           <a:p>
             <a:r>
-              <a:rPr lang="en-US" dirty="0"/>
+              <a:rPr lang="en-US" dirty="0" smtClean="0"/>
               <a:t>Computers see text that they don’t really understand.</a:t>
             </a:r>
           </a:p>
           <a:p>
             <a:r>
-              <a:rPr lang="en-US" dirty="0"/>
+              <a:rPr lang="en-US" dirty="0" smtClean="0"/>
               <a:t>They have to use some prior knowledge.</a:t>
             </a:r>
           </a:p>
           <a:p>
             <a:r>
-              <a:rPr lang="en-US" dirty="0"/>
+              <a:rPr lang="en-US" dirty="0" smtClean="0"/>
               <a:t>They reason probabilistically.</a:t>
             </a:r>
           </a:p>
           <a:p>
             <a:r>
-              <a:rPr lang="en-US" dirty="0"/>
+              <a:rPr lang="en-US" dirty="0" smtClean="0"/>
               <a:t>They use context.</a:t>
             </a:r>
           </a:p>
           <a:p>
             <a:r>
-              <a:rPr lang="en-US" dirty="0"/>
+              <a:rPr lang="en-US" dirty="0" smtClean="0"/>
               <a:t>The can be wrong.</a:t>
             </a:r>
+            <a:endParaRPr lang="en-US" dirty="0"/>
           </a:p>
         </p:txBody>
       </p:sp>
@@ -14967,7 +15202,7 @@
           <a:lstStyle/>
           <a:p>
             <a:r>
-              <a:rPr lang="en-US" altLang="en-US" dirty="0"/>
+              <a:rPr lang="en-US" altLang="en-US" dirty="0" smtClean="0"/>
               <a:t>Pronouns</a:t>
             </a:r>
           </a:p>
@@ -15001,7 +15236,7 @@
               </a:lnSpc>
             </a:pPr>
             <a:r>
-              <a:rPr lang="en-US" altLang="en-US" sz="2800" dirty="0"/>
+              <a:rPr lang="en-US" altLang="en-US" sz="2800" dirty="0" smtClean="0"/>
               <a:t>Examples</a:t>
             </a:r>
           </a:p>
@@ -15012,10 +15247,10 @@
               </a:lnSpc>
             </a:pPr>
             <a:r>
-              <a:rPr lang="en-US" altLang="en-US" sz="2300" i="1" dirty="0"/>
+              <a:rPr lang="en-US" altLang="en-US" sz="2300" i="1" dirty="0" smtClean="0"/>
               <a:t>she, ourselves, mine</a:t>
             </a:r>
-            <a:endParaRPr lang="en-US" altLang="en-US" sz="2300" dirty="0"/>
+            <a:endParaRPr lang="en-US" altLang="en-US" sz="2300" dirty="0" smtClean="0"/>
           </a:p>
           <a:p>
             <a:pPr>
@@ -15024,7 +15259,7 @@
               </a:lnSpc>
             </a:pPr>
             <a:r>
-              <a:rPr lang="en-US" altLang="en-US" sz="2800" dirty="0"/>
+              <a:rPr lang="en-US" altLang="en-US" sz="2800" dirty="0" smtClean="0"/>
               <a:t>Pronouns vary in</a:t>
             </a:r>
           </a:p>
@@ -15035,7 +15270,7 @@
               </a:lnSpc>
             </a:pPr>
             <a:r>
-              <a:rPr lang="en-US" altLang="en-US" sz="2300" dirty="0"/>
+              <a:rPr lang="en-US" altLang="en-US" sz="2300" dirty="0" smtClean="0"/>
               <a:t>person </a:t>
             </a:r>
           </a:p>
@@ -15047,8 +15282,13 @@
             </a:pPr>
             <a:r>
               <a:rPr lang="en-US" altLang="en-US" sz="2300" dirty="0"/>
-              <a:t>gender</a:t>
-            </a:r>
+              <a:t>g</a:t>
+            </a:r>
+            <a:r>
+              <a:rPr lang="en-US" altLang="en-US" sz="2300" dirty="0" smtClean="0"/>
+              <a:t>ender</a:t>
+            </a:r>
+            <a:endParaRPr lang="en-US" altLang="en-US" sz="2300" dirty="0"/>
           </a:p>
           <a:p>
             <a:pPr lvl="1">
@@ -15057,7 +15297,7 @@
               </a:lnSpc>
             </a:pPr>
             <a:r>
-              <a:rPr lang="en-US" altLang="en-US" sz="2300" dirty="0"/>
+              <a:rPr lang="en-US" altLang="en-US" sz="2300" dirty="0" smtClean="0"/>
               <a:t>number</a:t>
             </a:r>
           </a:p>
@@ -15068,7 +15308,7 @@
               </a:lnSpc>
             </a:pPr>
             <a:r>
-              <a:rPr lang="en-US" altLang="en-US" sz="2300" dirty="0"/>
+              <a:rPr lang="en-US" altLang="en-US" sz="2300" dirty="0" smtClean="0"/>
               <a:t>case (in English: nominative, accusative, possessive, 2nd possessive)</a:t>
             </a:r>
           </a:p>
@@ -15079,9 +15319,10 @@
               </a:lnSpc>
             </a:pPr>
             <a:r>
-              <a:rPr lang="en-US" altLang="en-US" sz="2800" dirty="0"/>
+              <a:rPr lang="en-US" altLang="en-US" sz="2800" dirty="0" smtClean="0"/>
               <a:t>Reflexive and anaphoric forms</a:t>
             </a:r>
+            <a:endParaRPr lang="en-US" altLang="en-US" sz="2800" dirty="0"/>
           </a:p>
           <a:p>
             <a:pPr lvl="1">
@@ -15090,10 +15331,10 @@
               </a:lnSpc>
             </a:pPr>
             <a:r>
-              <a:rPr lang="en-US" altLang="en-US" sz="2300" i="1" dirty="0"/>
+              <a:rPr lang="en-US" altLang="en-US" sz="2300" i="1" dirty="0" smtClean="0"/>
               <a:t>herself, each other</a:t>
             </a:r>
-            <a:endParaRPr lang="en-US" altLang="en-US" sz="2300" dirty="0"/>
+            <a:endParaRPr lang="en-US" altLang="en-US" sz="2300" dirty="0" smtClean="0"/>
           </a:p>
         </p:txBody>
       </p:sp>
@@ -15289,15 +15530,23 @@
             </a:pPr>
             <a:r>
               <a:rPr lang="en-US" altLang="en-US" sz="2400" i="1" dirty="0"/>
-              <a:t>Samantha gave </a:t>
-            </a:r>
-            <a:r>
-              <a:rPr lang="en-US" altLang="en-US" sz="2400" i="1" u="sng" dirty="0"/>
+              <a:t>Samantha </a:t>
+            </a:r>
+            <a:r>
+              <a:rPr lang="en-US" altLang="en-US" sz="2400" i="1" dirty="0" smtClean="0"/>
+              <a:t>gave </a:t>
+            </a:r>
+            <a:r>
+              <a:rPr lang="en-US" altLang="en-US" sz="2400" i="1" u="sng" dirty="0" smtClean="0"/>
               <a:t>herself</a:t>
             </a:r>
             <a:r>
+              <a:rPr lang="en-US" altLang="en-US" sz="2400" i="1" dirty="0" smtClean="0"/>
+              <a:t> </a:t>
+            </a:r>
+            <a:r>
               <a:rPr lang="en-US" altLang="en-US" sz="2400" i="1" dirty="0"/>
-              <a:t> a haircut.</a:t>
+              <a:t>a haircut.</a:t>
             </a:r>
             <a:endParaRPr lang="en-US" altLang="en-US" sz="2400" dirty="0"/>
           </a:p>
